--- a/projeto statera/COBEM_2019_a/imagens/eixos_referencia.pptx
+++ b/projeto statera/COBEM_2019_a/imagens/eixos_referencia.pptx
@@ -134,7 +134,7 @@
           <p:cNvPr id="2" name="Título 1">
             <a:extLst>
               <a:ext uri="{FF2B5EF4-FFF2-40B4-BE49-F238E27FC236}">
-                <a16:creationId xmlns:a16="http://schemas.microsoft.com/office/drawing/2014/main" id="{4ADC2BDB-BB12-4229-BF00-5F2BC736886F}"/>
+                <a16:creationId xmlns:a16="http://schemas.microsoft.com/office/drawing/2014/main" xmlns="" id="{4ADC2BDB-BB12-4229-BF00-5F2BC736886F}"/>
               </a:ext>
             </a:extLst>
           </p:cNvPr>
@@ -171,7 +171,7 @@
           <p:cNvPr id="3" name="Subtítulo 2">
             <a:extLst>
               <a:ext uri="{FF2B5EF4-FFF2-40B4-BE49-F238E27FC236}">
-                <a16:creationId xmlns:a16="http://schemas.microsoft.com/office/drawing/2014/main" id="{92CF8EB8-3B9D-4212-BF4D-F33189C3D663}"/>
+                <a16:creationId xmlns:a16="http://schemas.microsoft.com/office/drawing/2014/main" xmlns="" id="{92CF8EB8-3B9D-4212-BF4D-F33189C3D663}"/>
               </a:ext>
             </a:extLst>
           </p:cNvPr>
@@ -241,7 +241,7 @@
           <p:cNvPr id="4" name="Espaço Reservado para Data 3">
             <a:extLst>
               <a:ext uri="{FF2B5EF4-FFF2-40B4-BE49-F238E27FC236}">
-                <a16:creationId xmlns:a16="http://schemas.microsoft.com/office/drawing/2014/main" id="{8C697E90-A2A5-45F5-801D-5DFAD2627C53}"/>
+                <a16:creationId xmlns:a16="http://schemas.microsoft.com/office/drawing/2014/main" xmlns="" id="{8C697E90-A2A5-45F5-801D-5DFAD2627C53}"/>
               </a:ext>
             </a:extLst>
           </p:cNvPr>
@@ -259,7 +259,7 @@
           <a:p>
             <a:fld id="{364FDFA0-7702-4ADC-BBDD-CFA2C9798887}" type="datetimeFigureOut">
               <a:rPr lang="pt-BR" smtClean="0"/>
-              <a:t>17/03/2019</a:t>
+              <a:t>18/03/2019</a:t>
             </a:fld>
             <a:endParaRPr lang="pt-BR"/>
           </a:p>
@@ -270,7 +270,7 @@
           <p:cNvPr id="5" name="Espaço Reservado para Rodapé 4">
             <a:extLst>
               <a:ext uri="{FF2B5EF4-FFF2-40B4-BE49-F238E27FC236}">
-                <a16:creationId xmlns:a16="http://schemas.microsoft.com/office/drawing/2014/main" id="{D711E3BD-26FD-4167-B867-8542D7ED73C1}"/>
+                <a16:creationId xmlns:a16="http://schemas.microsoft.com/office/drawing/2014/main" xmlns="" id="{D711E3BD-26FD-4167-B867-8542D7ED73C1}"/>
               </a:ext>
             </a:extLst>
           </p:cNvPr>
@@ -295,7 +295,7 @@
           <p:cNvPr id="6" name="Espaço Reservado para Número de Slide 5">
             <a:extLst>
               <a:ext uri="{FF2B5EF4-FFF2-40B4-BE49-F238E27FC236}">
-                <a16:creationId xmlns:a16="http://schemas.microsoft.com/office/drawing/2014/main" id="{A11598F2-5532-4637-AC5F-12FD3AE333F0}"/>
+                <a16:creationId xmlns:a16="http://schemas.microsoft.com/office/drawing/2014/main" xmlns="" id="{A11598F2-5532-4637-AC5F-12FD3AE333F0}"/>
               </a:ext>
             </a:extLst>
           </p:cNvPr>
@@ -354,7 +354,7 @@
           <p:cNvPr id="2" name="Título 1">
             <a:extLst>
               <a:ext uri="{FF2B5EF4-FFF2-40B4-BE49-F238E27FC236}">
-                <a16:creationId xmlns:a16="http://schemas.microsoft.com/office/drawing/2014/main" id="{2B86A3F9-4C5C-4596-8BE2-5EF973A0208B}"/>
+                <a16:creationId xmlns:a16="http://schemas.microsoft.com/office/drawing/2014/main" xmlns="" id="{2B86A3F9-4C5C-4596-8BE2-5EF973A0208B}"/>
               </a:ext>
             </a:extLst>
           </p:cNvPr>
@@ -382,7 +382,7 @@
           <p:cNvPr id="3" name="Espaço Reservado para Texto Vertical 2">
             <a:extLst>
               <a:ext uri="{FF2B5EF4-FFF2-40B4-BE49-F238E27FC236}">
-                <a16:creationId xmlns:a16="http://schemas.microsoft.com/office/drawing/2014/main" id="{E14ACF78-8F37-4853-8843-12F0BF1377A1}"/>
+                <a16:creationId xmlns:a16="http://schemas.microsoft.com/office/drawing/2014/main" xmlns="" id="{E14ACF78-8F37-4853-8843-12F0BF1377A1}"/>
               </a:ext>
             </a:extLst>
           </p:cNvPr>
@@ -439,7 +439,7 @@
           <p:cNvPr id="4" name="Espaço Reservado para Data 3">
             <a:extLst>
               <a:ext uri="{FF2B5EF4-FFF2-40B4-BE49-F238E27FC236}">
-                <a16:creationId xmlns:a16="http://schemas.microsoft.com/office/drawing/2014/main" id="{83E15045-6477-49A4-AD23-6BA36FB83EAE}"/>
+                <a16:creationId xmlns:a16="http://schemas.microsoft.com/office/drawing/2014/main" xmlns="" id="{83E15045-6477-49A4-AD23-6BA36FB83EAE}"/>
               </a:ext>
             </a:extLst>
           </p:cNvPr>
@@ -457,7 +457,7 @@
           <a:p>
             <a:fld id="{364FDFA0-7702-4ADC-BBDD-CFA2C9798887}" type="datetimeFigureOut">
               <a:rPr lang="pt-BR" smtClean="0"/>
-              <a:t>17/03/2019</a:t>
+              <a:t>18/03/2019</a:t>
             </a:fld>
             <a:endParaRPr lang="pt-BR"/>
           </a:p>
@@ -468,7 +468,7 @@
           <p:cNvPr id="5" name="Espaço Reservado para Rodapé 4">
             <a:extLst>
               <a:ext uri="{FF2B5EF4-FFF2-40B4-BE49-F238E27FC236}">
-                <a16:creationId xmlns:a16="http://schemas.microsoft.com/office/drawing/2014/main" id="{FDD493D0-F8CE-49ED-9A14-855EA840E744}"/>
+                <a16:creationId xmlns:a16="http://schemas.microsoft.com/office/drawing/2014/main" xmlns="" id="{FDD493D0-F8CE-49ED-9A14-855EA840E744}"/>
               </a:ext>
             </a:extLst>
           </p:cNvPr>
@@ -493,7 +493,7 @@
           <p:cNvPr id="6" name="Espaço Reservado para Número de Slide 5">
             <a:extLst>
               <a:ext uri="{FF2B5EF4-FFF2-40B4-BE49-F238E27FC236}">
-                <a16:creationId xmlns:a16="http://schemas.microsoft.com/office/drawing/2014/main" id="{03475ECC-F455-4504-948D-3BF70BC4DBA8}"/>
+                <a16:creationId xmlns:a16="http://schemas.microsoft.com/office/drawing/2014/main" xmlns="" id="{03475ECC-F455-4504-948D-3BF70BC4DBA8}"/>
               </a:ext>
             </a:extLst>
           </p:cNvPr>
@@ -552,7 +552,7 @@
           <p:cNvPr id="2" name="Título Vertical 1">
             <a:extLst>
               <a:ext uri="{FF2B5EF4-FFF2-40B4-BE49-F238E27FC236}">
-                <a16:creationId xmlns:a16="http://schemas.microsoft.com/office/drawing/2014/main" id="{E119A9E8-A563-428C-B5ED-B4D0093F3212}"/>
+                <a16:creationId xmlns:a16="http://schemas.microsoft.com/office/drawing/2014/main" xmlns="" id="{E119A9E8-A563-428C-B5ED-B4D0093F3212}"/>
               </a:ext>
             </a:extLst>
           </p:cNvPr>
@@ -585,7 +585,7 @@
           <p:cNvPr id="3" name="Espaço Reservado para Texto Vertical 2">
             <a:extLst>
               <a:ext uri="{FF2B5EF4-FFF2-40B4-BE49-F238E27FC236}">
-                <a16:creationId xmlns:a16="http://schemas.microsoft.com/office/drawing/2014/main" id="{2B4ED7E7-2B12-4A23-BAE1-72B36F0FFFBE}"/>
+                <a16:creationId xmlns:a16="http://schemas.microsoft.com/office/drawing/2014/main" xmlns="" id="{2B4ED7E7-2B12-4A23-BAE1-72B36F0FFFBE}"/>
               </a:ext>
             </a:extLst>
           </p:cNvPr>
@@ -647,7 +647,7 @@
           <p:cNvPr id="4" name="Espaço Reservado para Data 3">
             <a:extLst>
               <a:ext uri="{FF2B5EF4-FFF2-40B4-BE49-F238E27FC236}">
-                <a16:creationId xmlns:a16="http://schemas.microsoft.com/office/drawing/2014/main" id="{D8E6A0B7-0F5F-44B0-9149-C3243896C5D9}"/>
+                <a16:creationId xmlns:a16="http://schemas.microsoft.com/office/drawing/2014/main" xmlns="" id="{D8E6A0B7-0F5F-44B0-9149-C3243896C5D9}"/>
               </a:ext>
             </a:extLst>
           </p:cNvPr>
@@ -665,7 +665,7 @@
           <a:p>
             <a:fld id="{364FDFA0-7702-4ADC-BBDD-CFA2C9798887}" type="datetimeFigureOut">
               <a:rPr lang="pt-BR" smtClean="0"/>
-              <a:t>17/03/2019</a:t>
+              <a:t>18/03/2019</a:t>
             </a:fld>
             <a:endParaRPr lang="pt-BR"/>
           </a:p>
@@ -676,7 +676,7 @@
           <p:cNvPr id="5" name="Espaço Reservado para Rodapé 4">
             <a:extLst>
               <a:ext uri="{FF2B5EF4-FFF2-40B4-BE49-F238E27FC236}">
-                <a16:creationId xmlns:a16="http://schemas.microsoft.com/office/drawing/2014/main" id="{242A4B3C-0534-46EA-912D-9616374CE746}"/>
+                <a16:creationId xmlns:a16="http://schemas.microsoft.com/office/drawing/2014/main" xmlns="" id="{242A4B3C-0534-46EA-912D-9616374CE746}"/>
               </a:ext>
             </a:extLst>
           </p:cNvPr>
@@ -701,7 +701,7 @@
           <p:cNvPr id="6" name="Espaço Reservado para Número de Slide 5">
             <a:extLst>
               <a:ext uri="{FF2B5EF4-FFF2-40B4-BE49-F238E27FC236}">
-                <a16:creationId xmlns:a16="http://schemas.microsoft.com/office/drawing/2014/main" id="{92FA7F12-BFBF-4CC8-BA06-1065206FECCF}"/>
+                <a16:creationId xmlns:a16="http://schemas.microsoft.com/office/drawing/2014/main" xmlns="" id="{92FA7F12-BFBF-4CC8-BA06-1065206FECCF}"/>
               </a:ext>
             </a:extLst>
           </p:cNvPr>
@@ -760,7 +760,7 @@
           <p:cNvPr id="2" name="Título 1">
             <a:extLst>
               <a:ext uri="{FF2B5EF4-FFF2-40B4-BE49-F238E27FC236}">
-                <a16:creationId xmlns:a16="http://schemas.microsoft.com/office/drawing/2014/main" id="{BBE02E9E-6BB6-469A-B6C1-1B2C80D409BB}"/>
+                <a16:creationId xmlns:a16="http://schemas.microsoft.com/office/drawing/2014/main" xmlns="" id="{BBE02E9E-6BB6-469A-B6C1-1B2C80D409BB}"/>
               </a:ext>
             </a:extLst>
           </p:cNvPr>
@@ -788,7 +788,7 @@
           <p:cNvPr id="3" name="Espaço Reservado para Conteúdo 2">
             <a:extLst>
               <a:ext uri="{FF2B5EF4-FFF2-40B4-BE49-F238E27FC236}">
-                <a16:creationId xmlns:a16="http://schemas.microsoft.com/office/drawing/2014/main" id="{E705F751-A4E6-43AF-844F-3165CB8475F0}"/>
+                <a16:creationId xmlns:a16="http://schemas.microsoft.com/office/drawing/2014/main" xmlns="" id="{E705F751-A4E6-43AF-844F-3165CB8475F0}"/>
               </a:ext>
             </a:extLst>
           </p:cNvPr>
@@ -845,7 +845,7 @@
           <p:cNvPr id="4" name="Espaço Reservado para Data 3">
             <a:extLst>
               <a:ext uri="{FF2B5EF4-FFF2-40B4-BE49-F238E27FC236}">
-                <a16:creationId xmlns:a16="http://schemas.microsoft.com/office/drawing/2014/main" id="{01474631-B387-4F9C-BDAB-1B5FF1EC0234}"/>
+                <a16:creationId xmlns:a16="http://schemas.microsoft.com/office/drawing/2014/main" xmlns="" id="{01474631-B387-4F9C-BDAB-1B5FF1EC0234}"/>
               </a:ext>
             </a:extLst>
           </p:cNvPr>
@@ -863,7 +863,7 @@
           <a:p>
             <a:fld id="{364FDFA0-7702-4ADC-BBDD-CFA2C9798887}" type="datetimeFigureOut">
               <a:rPr lang="pt-BR" smtClean="0"/>
-              <a:t>17/03/2019</a:t>
+              <a:t>18/03/2019</a:t>
             </a:fld>
             <a:endParaRPr lang="pt-BR"/>
           </a:p>
@@ -874,7 +874,7 @@
           <p:cNvPr id="5" name="Espaço Reservado para Rodapé 4">
             <a:extLst>
               <a:ext uri="{FF2B5EF4-FFF2-40B4-BE49-F238E27FC236}">
-                <a16:creationId xmlns:a16="http://schemas.microsoft.com/office/drawing/2014/main" id="{6B8D976D-8141-4E64-8C25-528C3F6EE385}"/>
+                <a16:creationId xmlns:a16="http://schemas.microsoft.com/office/drawing/2014/main" xmlns="" id="{6B8D976D-8141-4E64-8C25-528C3F6EE385}"/>
               </a:ext>
             </a:extLst>
           </p:cNvPr>
@@ -899,7 +899,7 @@
           <p:cNvPr id="6" name="Espaço Reservado para Número de Slide 5">
             <a:extLst>
               <a:ext uri="{FF2B5EF4-FFF2-40B4-BE49-F238E27FC236}">
-                <a16:creationId xmlns:a16="http://schemas.microsoft.com/office/drawing/2014/main" id="{D6DA7EC3-8AF2-4DEC-90A4-E935350C36B6}"/>
+                <a16:creationId xmlns:a16="http://schemas.microsoft.com/office/drawing/2014/main" xmlns="" id="{D6DA7EC3-8AF2-4DEC-90A4-E935350C36B6}"/>
               </a:ext>
             </a:extLst>
           </p:cNvPr>
@@ -958,7 +958,7 @@
           <p:cNvPr id="2" name="Título 1">
             <a:extLst>
               <a:ext uri="{FF2B5EF4-FFF2-40B4-BE49-F238E27FC236}">
-                <a16:creationId xmlns:a16="http://schemas.microsoft.com/office/drawing/2014/main" id="{82D3842D-D263-45B1-84BE-749F9B7E0E63}"/>
+                <a16:creationId xmlns:a16="http://schemas.microsoft.com/office/drawing/2014/main" xmlns="" id="{82D3842D-D263-45B1-84BE-749F9B7E0E63}"/>
               </a:ext>
             </a:extLst>
           </p:cNvPr>
@@ -995,7 +995,7 @@
           <p:cNvPr id="3" name="Espaço Reservado para Texto 2">
             <a:extLst>
               <a:ext uri="{FF2B5EF4-FFF2-40B4-BE49-F238E27FC236}">
-                <a16:creationId xmlns:a16="http://schemas.microsoft.com/office/drawing/2014/main" id="{EA27D525-517F-4E4A-87EE-B08D29B491BF}"/>
+                <a16:creationId xmlns:a16="http://schemas.microsoft.com/office/drawing/2014/main" xmlns="" id="{EA27D525-517F-4E4A-87EE-B08D29B491BF}"/>
               </a:ext>
             </a:extLst>
           </p:cNvPr>
@@ -1120,7 +1120,7 @@
           <p:cNvPr id="4" name="Espaço Reservado para Data 3">
             <a:extLst>
               <a:ext uri="{FF2B5EF4-FFF2-40B4-BE49-F238E27FC236}">
-                <a16:creationId xmlns:a16="http://schemas.microsoft.com/office/drawing/2014/main" id="{24A3EDBC-A64B-4A0D-A031-75D8EFEA9171}"/>
+                <a16:creationId xmlns:a16="http://schemas.microsoft.com/office/drawing/2014/main" xmlns="" id="{24A3EDBC-A64B-4A0D-A031-75D8EFEA9171}"/>
               </a:ext>
             </a:extLst>
           </p:cNvPr>
@@ -1138,7 +1138,7 @@
           <a:p>
             <a:fld id="{364FDFA0-7702-4ADC-BBDD-CFA2C9798887}" type="datetimeFigureOut">
               <a:rPr lang="pt-BR" smtClean="0"/>
-              <a:t>17/03/2019</a:t>
+              <a:t>18/03/2019</a:t>
             </a:fld>
             <a:endParaRPr lang="pt-BR"/>
           </a:p>
@@ -1149,7 +1149,7 @@
           <p:cNvPr id="5" name="Espaço Reservado para Rodapé 4">
             <a:extLst>
               <a:ext uri="{FF2B5EF4-FFF2-40B4-BE49-F238E27FC236}">
-                <a16:creationId xmlns:a16="http://schemas.microsoft.com/office/drawing/2014/main" id="{C75788B3-D297-4FE8-A7BD-39D4305E9B2C}"/>
+                <a16:creationId xmlns:a16="http://schemas.microsoft.com/office/drawing/2014/main" xmlns="" id="{C75788B3-D297-4FE8-A7BD-39D4305E9B2C}"/>
               </a:ext>
             </a:extLst>
           </p:cNvPr>
@@ -1174,7 +1174,7 @@
           <p:cNvPr id="6" name="Espaço Reservado para Número de Slide 5">
             <a:extLst>
               <a:ext uri="{FF2B5EF4-FFF2-40B4-BE49-F238E27FC236}">
-                <a16:creationId xmlns:a16="http://schemas.microsoft.com/office/drawing/2014/main" id="{4BBD3AFA-E394-4E85-A427-CF3D9C36E103}"/>
+                <a16:creationId xmlns:a16="http://schemas.microsoft.com/office/drawing/2014/main" xmlns="" id="{4BBD3AFA-E394-4E85-A427-CF3D9C36E103}"/>
               </a:ext>
             </a:extLst>
           </p:cNvPr>
@@ -1233,7 +1233,7 @@
           <p:cNvPr id="2" name="Título 1">
             <a:extLst>
               <a:ext uri="{FF2B5EF4-FFF2-40B4-BE49-F238E27FC236}">
-                <a16:creationId xmlns:a16="http://schemas.microsoft.com/office/drawing/2014/main" id="{E9572D2A-1D51-4E13-A079-15FCCA4C5BF7}"/>
+                <a16:creationId xmlns:a16="http://schemas.microsoft.com/office/drawing/2014/main" xmlns="" id="{E9572D2A-1D51-4E13-A079-15FCCA4C5BF7}"/>
               </a:ext>
             </a:extLst>
           </p:cNvPr>
@@ -1261,7 +1261,7 @@
           <p:cNvPr id="3" name="Espaço Reservado para Conteúdo 2">
             <a:extLst>
               <a:ext uri="{FF2B5EF4-FFF2-40B4-BE49-F238E27FC236}">
-                <a16:creationId xmlns:a16="http://schemas.microsoft.com/office/drawing/2014/main" id="{4F3FDF65-F988-4040-948A-E1A8475B318F}"/>
+                <a16:creationId xmlns:a16="http://schemas.microsoft.com/office/drawing/2014/main" xmlns="" id="{4F3FDF65-F988-4040-948A-E1A8475B318F}"/>
               </a:ext>
             </a:extLst>
           </p:cNvPr>
@@ -1323,7 +1323,7 @@
           <p:cNvPr id="4" name="Espaço Reservado para Conteúdo 3">
             <a:extLst>
               <a:ext uri="{FF2B5EF4-FFF2-40B4-BE49-F238E27FC236}">
-                <a16:creationId xmlns:a16="http://schemas.microsoft.com/office/drawing/2014/main" id="{3C84F313-490E-44FD-91F3-8D0A12FAF7BD}"/>
+                <a16:creationId xmlns:a16="http://schemas.microsoft.com/office/drawing/2014/main" xmlns="" id="{3C84F313-490E-44FD-91F3-8D0A12FAF7BD}"/>
               </a:ext>
             </a:extLst>
           </p:cNvPr>
@@ -1385,7 +1385,7 @@
           <p:cNvPr id="5" name="Espaço Reservado para Data 4">
             <a:extLst>
               <a:ext uri="{FF2B5EF4-FFF2-40B4-BE49-F238E27FC236}">
-                <a16:creationId xmlns:a16="http://schemas.microsoft.com/office/drawing/2014/main" id="{585295D2-B3B7-4749-B41A-EA9CA9022300}"/>
+                <a16:creationId xmlns:a16="http://schemas.microsoft.com/office/drawing/2014/main" xmlns="" id="{585295D2-B3B7-4749-B41A-EA9CA9022300}"/>
               </a:ext>
             </a:extLst>
           </p:cNvPr>
@@ -1403,7 +1403,7 @@
           <a:p>
             <a:fld id="{364FDFA0-7702-4ADC-BBDD-CFA2C9798887}" type="datetimeFigureOut">
               <a:rPr lang="pt-BR" smtClean="0"/>
-              <a:t>17/03/2019</a:t>
+              <a:t>18/03/2019</a:t>
             </a:fld>
             <a:endParaRPr lang="pt-BR"/>
           </a:p>
@@ -1414,7 +1414,7 @@
           <p:cNvPr id="6" name="Espaço Reservado para Rodapé 5">
             <a:extLst>
               <a:ext uri="{FF2B5EF4-FFF2-40B4-BE49-F238E27FC236}">
-                <a16:creationId xmlns:a16="http://schemas.microsoft.com/office/drawing/2014/main" id="{2D346501-00C7-40C8-9FAC-C554E35FEF9B}"/>
+                <a16:creationId xmlns:a16="http://schemas.microsoft.com/office/drawing/2014/main" xmlns="" id="{2D346501-00C7-40C8-9FAC-C554E35FEF9B}"/>
               </a:ext>
             </a:extLst>
           </p:cNvPr>
@@ -1439,7 +1439,7 @@
           <p:cNvPr id="7" name="Espaço Reservado para Número de Slide 6">
             <a:extLst>
               <a:ext uri="{FF2B5EF4-FFF2-40B4-BE49-F238E27FC236}">
-                <a16:creationId xmlns:a16="http://schemas.microsoft.com/office/drawing/2014/main" id="{A6C5CADB-3F33-4EF3-8F24-57957FA5BA19}"/>
+                <a16:creationId xmlns:a16="http://schemas.microsoft.com/office/drawing/2014/main" xmlns="" id="{A6C5CADB-3F33-4EF3-8F24-57957FA5BA19}"/>
               </a:ext>
             </a:extLst>
           </p:cNvPr>
@@ -1498,7 +1498,7 @@
           <p:cNvPr id="2" name="Título 1">
             <a:extLst>
               <a:ext uri="{FF2B5EF4-FFF2-40B4-BE49-F238E27FC236}">
-                <a16:creationId xmlns:a16="http://schemas.microsoft.com/office/drawing/2014/main" id="{90A1216C-CB96-42E6-A8BE-C395C73555CD}"/>
+                <a16:creationId xmlns:a16="http://schemas.microsoft.com/office/drawing/2014/main" xmlns="" id="{90A1216C-CB96-42E6-A8BE-C395C73555CD}"/>
               </a:ext>
             </a:extLst>
           </p:cNvPr>
@@ -1531,7 +1531,7 @@
           <p:cNvPr id="3" name="Espaço Reservado para Texto 2">
             <a:extLst>
               <a:ext uri="{FF2B5EF4-FFF2-40B4-BE49-F238E27FC236}">
-                <a16:creationId xmlns:a16="http://schemas.microsoft.com/office/drawing/2014/main" id="{3E27348A-AB08-4629-A1A7-C1D55E3686F1}"/>
+                <a16:creationId xmlns:a16="http://schemas.microsoft.com/office/drawing/2014/main" xmlns="" id="{3E27348A-AB08-4629-A1A7-C1D55E3686F1}"/>
               </a:ext>
             </a:extLst>
           </p:cNvPr>
@@ -1602,7 +1602,7 @@
           <p:cNvPr id="4" name="Espaço Reservado para Conteúdo 3">
             <a:extLst>
               <a:ext uri="{FF2B5EF4-FFF2-40B4-BE49-F238E27FC236}">
-                <a16:creationId xmlns:a16="http://schemas.microsoft.com/office/drawing/2014/main" id="{B7DB1B20-913C-495B-9F3C-5EC35D405A99}"/>
+                <a16:creationId xmlns:a16="http://schemas.microsoft.com/office/drawing/2014/main" xmlns="" id="{B7DB1B20-913C-495B-9F3C-5EC35D405A99}"/>
               </a:ext>
             </a:extLst>
           </p:cNvPr>
@@ -1664,7 +1664,7 @@
           <p:cNvPr id="5" name="Espaço Reservado para Texto 4">
             <a:extLst>
               <a:ext uri="{FF2B5EF4-FFF2-40B4-BE49-F238E27FC236}">
-                <a16:creationId xmlns:a16="http://schemas.microsoft.com/office/drawing/2014/main" id="{A21EE576-5EBE-43BD-A6BB-110332CE60D1}"/>
+                <a16:creationId xmlns:a16="http://schemas.microsoft.com/office/drawing/2014/main" xmlns="" id="{A21EE576-5EBE-43BD-A6BB-110332CE60D1}"/>
               </a:ext>
             </a:extLst>
           </p:cNvPr>
@@ -1735,7 +1735,7 @@
           <p:cNvPr id="6" name="Espaço Reservado para Conteúdo 5">
             <a:extLst>
               <a:ext uri="{FF2B5EF4-FFF2-40B4-BE49-F238E27FC236}">
-                <a16:creationId xmlns:a16="http://schemas.microsoft.com/office/drawing/2014/main" id="{29F447BB-2A7A-4375-81CD-13E9BCD45C94}"/>
+                <a16:creationId xmlns:a16="http://schemas.microsoft.com/office/drawing/2014/main" xmlns="" id="{29F447BB-2A7A-4375-81CD-13E9BCD45C94}"/>
               </a:ext>
             </a:extLst>
           </p:cNvPr>
@@ -1797,7 +1797,7 @@
           <p:cNvPr id="7" name="Espaço Reservado para Data 6">
             <a:extLst>
               <a:ext uri="{FF2B5EF4-FFF2-40B4-BE49-F238E27FC236}">
-                <a16:creationId xmlns:a16="http://schemas.microsoft.com/office/drawing/2014/main" id="{82A2085B-315E-42F9-9266-561E7B3B3D27}"/>
+                <a16:creationId xmlns:a16="http://schemas.microsoft.com/office/drawing/2014/main" xmlns="" id="{82A2085B-315E-42F9-9266-561E7B3B3D27}"/>
               </a:ext>
             </a:extLst>
           </p:cNvPr>
@@ -1815,7 +1815,7 @@
           <a:p>
             <a:fld id="{364FDFA0-7702-4ADC-BBDD-CFA2C9798887}" type="datetimeFigureOut">
               <a:rPr lang="pt-BR" smtClean="0"/>
-              <a:t>17/03/2019</a:t>
+              <a:t>18/03/2019</a:t>
             </a:fld>
             <a:endParaRPr lang="pt-BR"/>
           </a:p>
@@ -1826,7 +1826,7 @@
           <p:cNvPr id="8" name="Espaço Reservado para Rodapé 7">
             <a:extLst>
               <a:ext uri="{FF2B5EF4-FFF2-40B4-BE49-F238E27FC236}">
-                <a16:creationId xmlns:a16="http://schemas.microsoft.com/office/drawing/2014/main" id="{273A1123-C5A4-4BF6-8EBD-E9D95C12CA11}"/>
+                <a16:creationId xmlns:a16="http://schemas.microsoft.com/office/drawing/2014/main" xmlns="" id="{273A1123-C5A4-4BF6-8EBD-E9D95C12CA11}"/>
               </a:ext>
             </a:extLst>
           </p:cNvPr>
@@ -1851,7 +1851,7 @@
           <p:cNvPr id="9" name="Espaço Reservado para Número de Slide 8">
             <a:extLst>
               <a:ext uri="{FF2B5EF4-FFF2-40B4-BE49-F238E27FC236}">
-                <a16:creationId xmlns:a16="http://schemas.microsoft.com/office/drawing/2014/main" id="{10C896F4-62E2-4C1F-90BE-8A327CFFC5AF}"/>
+                <a16:creationId xmlns:a16="http://schemas.microsoft.com/office/drawing/2014/main" xmlns="" id="{10C896F4-62E2-4C1F-90BE-8A327CFFC5AF}"/>
               </a:ext>
             </a:extLst>
           </p:cNvPr>
@@ -1910,7 +1910,7 @@
           <p:cNvPr id="2" name="Título 1">
             <a:extLst>
               <a:ext uri="{FF2B5EF4-FFF2-40B4-BE49-F238E27FC236}">
-                <a16:creationId xmlns:a16="http://schemas.microsoft.com/office/drawing/2014/main" id="{C82D0164-6443-40C3-ACF8-EBB82EE8682C}"/>
+                <a16:creationId xmlns:a16="http://schemas.microsoft.com/office/drawing/2014/main" xmlns="" id="{C82D0164-6443-40C3-ACF8-EBB82EE8682C}"/>
               </a:ext>
             </a:extLst>
           </p:cNvPr>
@@ -1938,7 +1938,7 @@
           <p:cNvPr id="3" name="Espaço Reservado para Data 2">
             <a:extLst>
               <a:ext uri="{FF2B5EF4-FFF2-40B4-BE49-F238E27FC236}">
-                <a16:creationId xmlns:a16="http://schemas.microsoft.com/office/drawing/2014/main" id="{233A5356-20F8-4BA6-9FC4-233501BEE15B}"/>
+                <a16:creationId xmlns:a16="http://schemas.microsoft.com/office/drawing/2014/main" xmlns="" id="{233A5356-20F8-4BA6-9FC4-233501BEE15B}"/>
               </a:ext>
             </a:extLst>
           </p:cNvPr>
@@ -1956,7 +1956,7 @@
           <a:p>
             <a:fld id="{364FDFA0-7702-4ADC-BBDD-CFA2C9798887}" type="datetimeFigureOut">
               <a:rPr lang="pt-BR" smtClean="0"/>
-              <a:t>17/03/2019</a:t>
+              <a:t>18/03/2019</a:t>
             </a:fld>
             <a:endParaRPr lang="pt-BR"/>
           </a:p>
@@ -1967,7 +1967,7 @@
           <p:cNvPr id="4" name="Espaço Reservado para Rodapé 3">
             <a:extLst>
               <a:ext uri="{FF2B5EF4-FFF2-40B4-BE49-F238E27FC236}">
-                <a16:creationId xmlns:a16="http://schemas.microsoft.com/office/drawing/2014/main" id="{72162907-0BB5-498B-8CE9-AD05C4C28266}"/>
+                <a16:creationId xmlns:a16="http://schemas.microsoft.com/office/drawing/2014/main" xmlns="" id="{72162907-0BB5-498B-8CE9-AD05C4C28266}"/>
               </a:ext>
             </a:extLst>
           </p:cNvPr>
@@ -1992,7 +1992,7 @@
           <p:cNvPr id="5" name="Espaço Reservado para Número de Slide 4">
             <a:extLst>
               <a:ext uri="{FF2B5EF4-FFF2-40B4-BE49-F238E27FC236}">
-                <a16:creationId xmlns:a16="http://schemas.microsoft.com/office/drawing/2014/main" id="{C1FF1D43-35BF-4B72-8413-89C4410DA5A4}"/>
+                <a16:creationId xmlns:a16="http://schemas.microsoft.com/office/drawing/2014/main" xmlns="" id="{C1FF1D43-35BF-4B72-8413-89C4410DA5A4}"/>
               </a:ext>
             </a:extLst>
           </p:cNvPr>
@@ -2051,7 +2051,7 @@
           <p:cNvPr id="2" name="Espaço Reservado para Data 1">
             <a:extLst>
               <a:ext uri="{FF2B5EF4-FFF2-40B4-BE49-F238E27FC236}">
-                <a16:creationId xmlns:a16="http://schemas.microsoft.com/office/drawing/2014/main" id="{5C17410B-9CD7-434B-8766-4AF321108FA4}"/>
+                <a16:creationId xmlns:a16="http://schemas.microsoft.com/office/drawing/2014/main" xmlns="" id="{5C17410B-9CD7-434B-8766-4AF321108FA4}"/>
               </a:ext>
             </a:extLst>
           </p:cNvPr>
@@ -2069,7 +2069,7 @@
           <a:p>
             <a:fld id="{364FDFA0-7702-4ADC-BBDD-CFA2C9798887}" type="datetimeFigureOut">
               <a:rPr lang="pt-BR" smtClean="0"/>
-              <a:t>17/03/2019</a:t>
+              <a:t>18/03/2019</a:t>
             </a:fld>
             <a:endParaRPr lang="pt-BR"/>
           </a:p>
@@ -2080,7 +2080,7 @@
           <p:cNvPr id="3" name="Espaço Reservado para Rodapé 2">
             <a:extLst>
               <a:ext uri="{FF2B5EF4-FFF2-40B4-BE49-F238E27FC236}">
-                <a16:creationId xmlns:a16="http://schemas.microsoft.com/office/drawing/2014/main" id="{3CBF7A87-CE6B-43A6-AB43-E1AB8D6C46DF}"/>
+                <a16:creationId xmlns:a16="http://schemas.microsoft.com/office/drawing/2014/main" xmlns="" id="{3CBF7A87-CE6B-43A6-AB43-E1AB8D6C46DF}"/>
               </a:ext>
             </a:extLst>
           </p:cNvPr>
@@ -2105,7 +2105,7 @@
           <p:cNvPr id="4" name="Espaço Reservado para Número de Slide 3">
             <a:extLst>
               <a:ext uri="{FF2B5EF4-FFF2-40B4-BE49-F238E27FC236}">
-                <a16:creationId xmlns:a16="http://schemas.microsoft.com/office/drawing/2014/main" id="{4C6B302C-FAA8-41A5-9910-1998111279F2}"/>
+                <a16:creationId xmlns:a16="http://schemas.microsoft.com/office/drawing/2014/main" xmlns="" id="{4C6B302C-FAA8-41A5-9910-1998111279F2}"/>
               </a:ext>
             </a:extLst>
           </p:cNvPr>
@@ -2164,7 +2164,7 @@
           <p:cNvPr id="2" name="Título 1">
             <a:extLst>
               <a:ext uri="{FF2B5EF4-FFF2-40B4-BE49-F238E27FC236}">
-                <a16:creationId xmlns:a16="http://schemas.microsoft.com/office/drawing/2014/main" id="{DB4355DC-D98F-4EE9-96CB-EDE7F7EBA351}"/>
+                <a16:creationId xmlns:a16="http://schemas.microsoft.com/office/drawing/2014/main" xmlns="" id="{DB4355DC-D98F-4EE9-96CB-EDE7F7EBA351}"/>
               </a:ext>
             </a:extLst>
           </p:cNvPr>
@@ -2201,7 +2201,7 @@
           <p:cNvPr id="3" name="Espaço Reservado para Conteúdo 2">
             <a:extLst>
               <a:ext uri="{FF2B5EF4-FFF2-40B4-BE49-F238E27FC236}">
-                <a16:creationId xmlns:a16="http://schemas.microsoft.com/office/drawing/2014/main" id="{58EDCD9D-1EE4-470E-8780-47A474BC4F49}"/>
+                <a16:creationId xmlns:a16="http://schemas.microsoft.com/office/drawing/2014/main" xmlns="" id="{58EDCD9D-1EE4-470E-8780-47A474BC4F49}"/>
               </a:ext>
             </a:extLst>
           </p:cNvPr>
@@ -2291,7 +2291,7 @@
           <p:cNvPr id="4" name="Espaço Reservado para Texto 3">
             <a:extLst>
               <a:ext uri="{FF2B5EF4-FFF2-40B4-BE49-F238E27FC236}">
-                <a16:creationId xmlns:a16="http://schemas.microsoft.com/office/drawing/2014/main" id="{A4E4DC65-93E3-4A78-B3BD-92A5B997166B}"/>
+                <a16:creationId xmlns:a16="http://schemas.microsoft.com/office/drawing/2014/main" xmlns="" id="{A4E4DC65-93E3-4A78-B3BD-92A5B997166B}"/>
               </a:ext>
             </a:extLst>
           </p:cNvPr>
@@ -2362,7 +2362,7 @@
           <p:cNvPr id="5" name="Espaço Reservado para Data 4">
             <a:extLst>
               <a:ext uri="{FF2B5EF4-FFF2-40B4-BE49-F238E27FC236}">
-                <a16:creationId xmlns:a16="http://schemas.microsoft.com/office/drawing/2014/main" id="{7D364E9B-E350-42A9-ACD5-A9AD3D8F5D46}"/>
+                <a16:creationId xmlns:a16="http://schemas.microsoft.com/office/drawing/2014/main" xmlns="" id="{7D364E9B-E350-42A9-ACD5-A9AD3D8F5D46}"/>
               </a:ext>
             </a:extLst>
           </p:cNvPr>
@@ -2380,7 +2380,7 @@
           <a:p>
             <a:fld id="{364FDFA0-7702-4ADC-BBDD-CFA2C9798887}" type="datetimeFigureOut">
               <a:rPr lang="pt-BR" smtClean="0"/>
-              <a:t>17/03/2019</a:t>
+              <a:t>18/03/2019</a:t>
             </a:fld>
             <a:endParaRPr lang="pt-BR"/>
           </a:p>
@@ -2391,7 +2391,7 @@
           <p:cNvPr id="6" name="Espaço Reservado para Rodapé 5">
             <a:extLst>
               <a:ext uri="{FF2B5EF4-FFF2-40B4-BE49-F238E27FC236}">
-                <a16:creationId xmlns:a16="http://schemas.microsoft.com/office/drawing/2014/main" id="{8BF21961-80C1-4FAC-B389-D6BDDCCD1D5D}"/>
+                <a16:creationId xmlns:a16="http://schemas.microsoft.com/office/drawing/2014/main" xmlns="" id="{8BF21961-80C1-4FAC-B389-D6BDDCCD1D5D}"/>
               </a:ext>
             </a:extLst>
           </p:cNvPr>
@@ -2416,7 +2416,7 @@
           <p:cNvPr id="7" name="Espaço Reservado para Número de Slide 6">
             <a:extLst>
               <a:ext uri="{FF2B5EF4-FFF2-40B4-BE49-F238E27FC236}">
-                <a16:creationId xmlns:a16="http://schemas.microsoft.com/office/drawing/2014/main" id="{A778D717-D0FB-4C67-9B94-6524A61BC98D}"/>
+                <a16:creationId xmlns:a16="http://schemas.microsoft.com/office/drawing/2014/main" xmlns="" id="{A778D717-D0FB-4C67-9B94-6524A61BC98D}"/>
               </a:ext>
             </a:extLst>
           </p:cNvPr>
@@ -2475,7 +2475,7 @@
           <p:cNvPr id="2" name="Título 1">
             <a:extLst>
               <a:ext uri="{FF2B5EF4-FFF2-40B4-BE49-F238E27FC236}">
-                <a16:creationId xmlns:a16="http://schemas.microsoft.com/office/drawing/2014/main" id="{4E34F086-932E-4991-B603-9B7E834A6197}"/>
+                <a16:creationId xmlns:a16="http://schemas.microsoft.com/office/drawing/2014/main" xmlns="" id="{4E34F086-932E-4991-B603-9B7E834A6197}"/>
               </a:ext>
             </a:extLst>
           </p:cNvPr>
@@ -2512,7 +2512,7 @@
           <p:cNvPr id="3" name="Espaço Reservado para Imagem 2">
             <a:extLst>
               <a:ext uri="{FF2B5EF4-FFF2-40B4-BE49-F238E27FC236}">
-                <a16:creationId xmlns:a16="http://schemas.microsoft.com/office/drawing/2014/main" id="{9136E75E-B57C-4986-90F6-605E7EACEAF2}"/>
+                <a16:creationId xmlns:a16="http://schemas.microsoft.com/office/drawing/2014/main" xmlns="" id="{9136E75E-B57C-4986-90F6-605E7EACEAF2}"/>
               </a:ext>
             </a:extLst>
           </p:cNvPr>
@@ -2579,7 +2579,7 @@
           <p:cNvPr id="4" name="Espaço Reservado para Texto 3">
             <a:extLst>
               <a:ext uri="{FF2B5EF4-FFF2-40B4-BE49-F238E27FC236}">
-                <a16:creationId xmlns:a16="http://schemas.microsoft.com/office/drawing/2014/main" id="{42DD455F-36AD-487E-85B3-5D4B07F55361}"/>
+                <a16:creationId xmlns:a16="http://schemas.microsoft.com/office/drawing/2014/main" xmlns="" id="{42DD455F-36AD-487E-85B3-5D4B07F55361}"/>
               </a:ext>
             </a:extLst>
           </p:cNvPr>
@@ -2650,7 +2650,7 @@
           <p:cNvPr id="5" name="Espaço Reservado para Data 4">
             <a:extLst>
               <a:ext uri="{FF2B5EF4-FFF2-40B4-BE49-F238E27FC236}">
-                <a16:creationId xmlns:a16="http://schemas.microsoft.com/office/drawing/2014/main" id="{4283211F-9A00-4535-A217-81BDEE0076EB}"/>
+                <a16:creationId xmlns:a16="http://schemas.microsoft.com/office/drawing/2014/main" xmlns="" id="{4283211F-9A00-4535-A217-81BDEE0076EB}"/>
               </a:ext>
             </a:extLst>
           </p:cNvPr>
@@ -2668,7 +2668,7 @@
           <a:p>
             <a:fld id="{364FDFA0-7702-4ADC-BBDD-CFA2C9798887}" type="datetimeFigureOut">
               <a:rPr lang="pt-BR" smtClean="0"/>
-              <a:t>17/03/2019</a:t>
+              <a:t>18/03/2019</a:t>
             </a:fld>
             <a:endParaRPr lang="pt-BR"/>
           </a:p>
@@ -2679,7 +2679,7 @@
           <p:cNvPr id="6" name="Espaço Reservado para Rodapé 5">
             <a:extLst>
               <a:ext uri="{FF2B5EF4-FFF2-40B4-BE49-F238E27FC236}">
-                <a16:creationId xmlns:a16="http://schemas.microsoft.com/office/drawing/2014/main" id="{5C00412F-1041-4E1A-B65C-44065D3D4A8C}"/>
+                <a16:creationId xmlns:a16="http://schemas.microsoft.com/office/drawing/2014/main" xmlns="" id="{5C00412F-1041-4E1A-B65C-44065D3D4A8C}"/>
               </a:ext>
             </a:extLst>
           </p:cNvPr>
@@ -2704,7 +2704,7 @@
           <p:cNvPr id="7" name="Espaço Reservado para Número de Slide 6">
             <a:extLst>
               <a:ext uri="{FF2B5EF4-FFF2-40B4-BE49-F238E27FC236}">
-                <a16:creationId xmlns:a16="http://schemas.microsoft.com/office/drawing/2014/main" id="{0A7098E3-5462-4590-B291-0E33E7370039}"/>
+                <a16:creationId xmlns:a16="http://schemas.microsoft.com/office/drawing/2014/main" xmlns="" id="{0A7098E3-5462-4590-B291-0E33E7370039}"/>
               </a:ext>
             </a:extLst>
           </p:cNvPr>
@@ -2768,7 +2768,7 @@
           <p:cNvPr id="2" name="Espaço Reservado para Título 1">
             <a:extLst>
               <a:ext uri="{FF2B5EF4-FFF2-40B4-BE49-F238E27FC236}">
-                <a16:creationId xmlns:a16="http://schemas.microsoft.com/office/drawing/2014/main" id="{FD06AE08-97F9-4DDE-AA79-A06C76AE0E6F}"/>
+                <a16:creationId xmlns:a16="http://schemas.microsoft.com/office/drawing/2014/main" xmlns="" id="{FD06AE08-97F9-4DDE-AA79-A06C76AE0E6F}"/>
               </a:ext>
             </a:extLst>
           </p:cNvPr>
@@ -2806,7 +2806,7 @@
           <p:cNvPr id="3" name="Espaço Reservado para Texto 2">
             <a:extLst>
               <a:ext uri="{FF2B5EF4-FFF2-40B4-BE49-F238E27FC236}">
-                <a16:creationId xmlns:a16="http://schemas.microsoft.com/office/drawing/2014/main" id="{9B0D8E7D-FCCF-45E4-AF68-9130BBC5AE6E}"/>
+                <a16:creationId xmlns:a16="http://schemas.microsoft.com/office/drawing/2014/main" xmlns="" id="{9B0D8E7D-FCCF-45E4-AF68-9130BBC5AE6E}"/>
               </a:ext>
             </a:extLst>
           </p:cNvPr>
@@ -2873,7 +2873,7 @@
           <p:cNvPr id="4" name="Espaço Reservado para Data 3">
             <a:extLst>
               <a:ext uri="{FF2B5EF4-FFF2-40B4-BE49-F238E27FC236}">
-                <a16:creationId xmlns:a16="http://schemas.microsoft.com/office/drawing/2014/main" id="{DC94DEAF-661E-4B2B-B752-BAE7295D2CC9}"/>
+                <a16:creationId xmlns:a16="http://schemas.microsoft.com/office/drawing/2014/main" xmlns="" id="{DC94DEAF-661E-4B2B-B752-BAE7295D2CC9}"/>
               </a:ext>
             </a:extLst>
           </p:cNvPr>
@@ -2909,7 +2909,7 @@
           <a:p>
             <a:fld id="{364FDFA0-7702-4ADC-BBDD-CFA2C9798887}" type="datetimeFigureOut">
               <a:rPr lang="pt-BR" smtClean="0"/>
-              <a:t>17/03/2019</a:t>
+              <a:t>18/03/2019</a:t>
             </a:fld>
             <a:endParaRPr lang="pt-BR"/>
           </a:p>
@@ -2920,7 +2920,7 @@
           <p:cNvPr id="5" name="Espaço Reservado para Rodapé 4">
             <a:extLst>
               <a:ext uri="{FF2B5EF4-FFF2-40B4-BE49-F238E27FC236}">
-                <a16:creationId xmlns:a16="http://schemas.microsoft.com/office/drawing/2014/main" id="{24C70A82-458B-4806-9A47-178235832808}"/>
+                <a16:creationId xmlns:a16="http://schemas.microsoft.com/office/drawing/2014/main" xmlns="" id="{24C70A82-458B-4806-9A47-178235832808}"/>
               </a:ext>
             </a:extLst>
           </p:cNvPr>
@@ -2963,7 +2963,7 @@
           <p:cNvPr id="6" name="Espaço Reservado para Número de Slide 5">
             <a:extLst>
               <a:ext uri="{FF2B5EF4-FFF2-40B4-BE49-F238E27FC236}">
-                <a16:creationId xmlns:a16="http://schemas.microsoft.com/office/drawing/2014/main" id="{09671F84-4724-4AC5-B7DE-50DB1CE8812F}"/>
+                <a16:creationId xmlns:a16="http://schemas.microsoft.com/office/drawing/2014/main" xmlns="" id="{09671F84-4724-4AC5-B7DE-50DB1CE8812F}"/>
               </a:ext>
             </a:extLst>
           </p:cNvPr>
@@ -3326,607 +3326,598 @@
           <a:chExt cx="0" cy="0"/>
         </a:xfrm>
       </p:grpSpPr>
-      <p:cxnSp>
-        <p:nvCxnSpPr>
-          <p:cNvPr id="7" name="Conector de Seta Reta 6">
-            <a:extLst>
-              <a:ext uri="{FF2B5EF4-FFF2-40B4-BE49-F238E27FC236}">
-                <a16:creationId xmlns:a16="http://schemas.microsoft.com/office/drawing/2014/main" id="{278940E6-E10D-4EC0-A97A-9A3BACCB371A}"/>
-              </a:ext>
-            </a:extLst>
-          </p:cNvPr>
-          <p:cNvCxnSpPr>
-            <a:cxnSpLocks/>
-          </p:cNvCxnSpPr>
+      <p:grpSp>
+        <p:nvGrpSpPr>
+          <p:cNvPr id="65" name="Grupo 64"/>
+          <p:cNvGrpSpPr/>
           <p:nvPr/>
-        </p:nvCxnSpPr>
-        <p:spPr>
+        </p:nvGrpSpPr>
+        <p:grpSpPr>
           <a:xfrm>
-            <a:off x="1995182" y="2798957"/>
-            <a:ext cx="7506958" cy="0"/>
+            <a:off x="1501662" y="2737266"/>
+            <a:ext cx="7441401" cy="2096515"/>
+            <a:chOff x="646848" y="2984496"/>
+            <a:chExt cx="7441401" cy="2096515"/>
           </a:xfrm>
-          <a:prstGeom prst="straightConnector1">
-            <a:avLst/>
-          </a:prstGeom>
-          <a:ln w="38100">
+        </p:grpSpPr>
+        <p:sp>
+          <p:nvSpPr>
+            <p:cNvPr id="32" name="Fluxograma: Dados 31"/>
+            <p:cNvSpPr/>
+            <p:nvPr/>
+          </p:nvSpPr>
+          <p:spPr>
+            <a:xfrm rot="569635">
+              <a:off x="1374746" y="3013481"/>
+              <a:ext cx="6713503" cy="1467223"/>
+            </a:xfrm>
+            <a:prstGeom prst="flowChartInputOutput">
+              <a:avLst/>
+            </a:prstGeom>
             <a:solidFill>
+              <a:schemeClr val="bg1">
+                <a:lumMod val="95000"/>
+              </a:schemeClr>
+            </a:solidFill>
+            <a:ln w="3175">
+              <a:solidFill>
+                <a:schemeClr val="tx1"/>
+              </a:solidFill>
+            </a:ln>
+          </p:spPr>
+          <p:style>
+            <a:lnRef idx="2">
+              <a:schemeClr val="accent3">
+                <a:shade val="50000"/>
+              </a:schemeClr>
+            </a:lnRef>
+            <a:fillRef idx="1">
+              <a:schemeClr val="accent3"/>
+            </a:fillRef>
+            <a:effectRef idx="0">
+              <a:schemeClr val="accent3"/>
+            </a:effectRef>
+            <a:fontRef idx="minor">
+              <a:schemeClr val="lt1"/>
+            </a:fontRef>
+          </p:style>
+          <p:txBody>
+            <a:bodyPr rtlCol="0" anchor="ctr"/>
+            <a:lstStyle/>
+            <a:p>
+              <a:pPr algn="ctr"/>
+              <a:endParaRPr lang="pt-BR"/>
+            </a:p>
+          </p:txBody>
+        </p:sp>
+        <p:cxnSp>
+          <p:nvCxnSpPr>
+            <p:cNvPr id="7" name="Conector de Seta Reta 6">
+              <a:extLst>
+                <a:ext uri="{FF2B5EF4-FFF2-40B4-BE49-F238E27FC236}">
+                  <a16:creationId xmlns:a16="http://schemas.microsoft.com/office/drawing/2014/main" xmlns="" id="{278940E6-E10D-4EC0-A97A-9A3BACCB371A}"/>
+                </a:ext>
+              </a:extLst>
+            </p:cNvPr>
+            <p:cNvCxnSpPr>
+              <a:cxnSpLocks/>
+            </p:cNvCxnSpPr>
+            <p:nvPr/>
+          </p:nvCxnSpPr>
+          <p:spPr>
+            <a:xfrm>
+              <a:off x="1318260" y="3923697"/>
+              <a:ext cx="1220724" cy="200722"/>
+            </a:xfrm>
+            <a:prstGeom prst="straightConnector1">
+              <a:avLst/>
+            </a:prstGeom>
+            <a:ln w="38100">
+              <a:solidFill>
+                <a:schemeClr val="tx1"/>
+              </a:solidFill>
+              <a:headEnd type="none" w="med" len="med"/>
+              <a:tailEnd type="triangle" w="med" len="med"/>
+            </a:ln>
+          </p:spPr>
+          <p:style>
+            <a:lnRef idx="1">
+              <a:schemeClr val="accent1"/>
+            </a:lnRef>
+            <a:fillRef idx="0">
+              <a:schemeClr val="accent1"/>
+            </a:fillRef>
+            <a:effectRef idx="0">
+              <a:schemeClr val="accent1"/>
+            </a:effectRef>
+            <a:fontRef idx="minor">
               <a:schemeClr val="tx1"/>
-            </a:solidFill>
-            <a:headEnd type="none" w="med" len="med"/>
-            <a:tailEnd type="triangle" w="med" len="med"/>
-          </a:ln>
-        </p:spPr>
-        <p:style>
-          <a:lnRef idx="1">
-            <a:schemeClr val="accent1"/>
-          </a:lnRef>
-          <a:fillRef idx="0">
-            <a:schemeClr val="accent1"/>
-          </a:fillRef>
-          <a:effectRef idx="0">
-            <a:schemeClr val="accent1"/>
-          </a:effectRef>
-          <a:fontRef idx="minor">
-            <a:schemeClr val="tx1"/>
-          </a:fontRef>
-        </p:style>
-      </p:cxnSp>
-      <p:cxnSp>
-        <p:nvCxnSpPr>
-          <p:cNvPr id="9" name="Conector de Seta Reta 8">
-            <a:extLst>
-              <a:ext uri="{FF2B5EF4-FFF2-40B4-BE49-F238E27FC236}">
-                <a16:creationId xmlns:a16="http://schemas.microsoft.com/office/drawing/2014/main" id="{9556DD94-AF17-49A1-AE8A-B54A482AB54B}"/>
-              </a:ext>
-            </a:extLst>
-          </p:cNvPr>
-          <p:cNvCxnSpPr>
-            <a:cxnSpLocks/>
-          </p:cNvCxnSpPr>
-          <p:nvPr/>
-        </p:nvCxnSpPr>
-        <p:spPr>
-          <a:xfrm flipV="1">
-            <a:off x="1995183" y="521695"/>
-            <a:ext cx="0" cy="2277263"/>
-          </a:xfrm>
-          <a:prstGeom prst="straightConnector1">
-            <a:avLst/>
-          </a:prstGeom>
-          <a:ln w="38100">
-            <a:solidFill>
+            </a:fontRef>
+          </p:style>
+        </p:cxnSp>
+        <p:cxnSp>
+          <p:nvCxnSpPr>
+            <p:cNvPr id="9" name="Conector de Seta Reta 8">
+              <a:extLst>
+                <a:ext uri="{FF2B5EF4-FFF2-40B4-BE49-F238E27FC236}">
+                  <a16:creationId xmlns:a16="http://schemas.microsoft.com/office/drawing/2014/main" xmlns="" id="{9556DD94-AF17-49A1-AE8A-B54A482AB54B}"/>
+                </a:ext>
+              </a:extLst>
+            </p:cNvPr>
+            <p:cNvCxnSpPr>
+              <a:cxnSpLocks/>
+            </p:cNvCxnSpPr>
+            <p:nvPr/>
+          </p:nvCxnSpPr>
+          <p:spPr>
+            <a:xfrm>
+              <a:off x="1318506" y="3923697"/>
+              <a:ext cx="1035" cy="773183"/>
+            </a:xfrm>
+            <a:prstGeom prst="straightConnector1">
+              <a:avLst/>
+            </a:prstGeom>
+            <a:ln w="38100">
+              <a:solidFill>
+                <a:schemeClr val="tx1"/>
+              </a:solidFill>
+              <a:headEnd type="none" w="med" len="med"/>
+              <a:tailEnd type="triangle" w="med" len="med"/>
+            </a:ln>
+          </p:spPr>
+          <p:style>
+            <a:lnRef idx="1">
+              <a:schemeClr val="accent1"/>
+            </a:lnRef>
+            <a:fillRef idx="0">
+              <a:schemeClr val="accent1"/>
+            </a:fillRef>
+            <a:effectRef idx="0">
+              <a:schemeClr val="accent1"/>
+            </a:effectRef>
+            <a:fontRef idx="minor">
               <a:schemeClr val="tx1"/>
-            </a:solidFill>
-            <a:headEnd type="none" w="med" len="med"/>
-            <a:tailEnd type="triangle" w="med" len="med"/>
-          </a:ln>
-        </p:spPr>
-        <p:style>
-          <a:lnRef idx="1">
-            <a:schemeClr val="accent1"/>
-          </a:lnRef>
-          <a:fillRef idx="0">
-            <a:schemeClr val="accent1"/>
-          </a:fillRef>
-          <a:effectRef idx="0">
-            <a:schemeClr val="accent1"/>
-          </a:effectRef>
-          <a:fontRef idx="minor">
-            <a:schemeClr val="tx1"/>
-          </a:fontRef>
-        </p:style>
-      </p:cxnSp>
-      <p:cxnSp>
-        <p:nvCxnSpPr>
-          <p:cNvPr id="12" name="Conector de Seta Reta 11">
-            <a:extLst>
-              <a:ext uri="{FF2B5EF4-FFF2-40B4-BE49-F238E27FC236}">
-                <a16:creationId xmlns:a16="http://schemas.microsoft.com/office/drawing/2014/main" id="{5EFC456D-919B-4876-B35C-083F6779CAE3}"/>
-              </a:ext>
-            </a:extLst>
-          </p:cNvPr>
-          <p:cNvCxnSpPr>
-            <a:cxnSpLocks/>
-          </p:cNvCxnSpPr>
-          <p:nvPr/>
-        </p:nvCxnSpPr>
-        <p:spPr>
-          <a:xfrm flipV="1">
-            <a:off x="1995181" y="1547424"/>
-            <a:ext cx="1871969" cy="1251534"/>
-          </a:xfrm>
-          <a:prstGeom prst="straightConnector1">
-            <a:avLst/>
-          </a:prstGeom>
-          <a:ln w="38100">
-            <a:solidFill>
+            </a:fontRef>
+          </p:style>
+        </p:cxnSp>
+        <p:cxnSp>
+          <p:nvCxnSpPr>
+            <p:cNvPr id="12" name="Conector de Seta Reta 11">
+              <a:extLst>
+                <a:ext uri="{FF2B5EF4-FFF2-40B4-BE49-F238E27FC236}">
+                  <a16:creationId xmlns:a16="http://schemas.microsoft.com/office/drawing/2014/main" xmlns="" id="{5EFC456D-919B-4876-B35C-083F6779CAE3}"/>
+                </a:ext>
+              </a:extLst>
+            </p:cNvPr>
+            <p:cNvCxnSpPr>
+              <a:cxnSpLocks/>
+              <a:stCxn id="48" idx="3"/>
+            </p:cNvCxnSpPr>
+            <p:nvPr/>
+          </p:nvCxnSpPr>
+          <p:spPr>
+            <a:xfrm flipV="1">
+              <a:off x="1286534" y="3526402"/>
+              <a:ext cx="508552" cy="415852"/>
+            </a:xfrm>
+            <a:prstGeom prst="straightConnector1">
+              <a:avLst/>
+            </a:prstGeom>
+            <a:ln w="38100">
+              <a:solidFill>
+                <a:schemeClr val="tx1"/>
+              </a:solidFill>
+              <a:headEnd type="none" w="med" len="med"/>
+              <a:tailEnd type="triangle" w="med" len="med"/>
+            </a:ln>
+          </p:spPr>
+          <p:style>
+            <a:lnRef idx="1">
+              <a:schemeClr val="accent1"/>
+            </a:lnRef>
+            <a:fillRef idx="0">
+              <a:schemeClr val="accent1"/>
+            </a:fillRef>
+            <a:effectRef idx="0">
+              <a:schemeClr val="accent1"/>
+            </a:effectRef>
+            <a:fontRef idx="minor">
               <a:schemeClr val="tx1"/>
-            </a:solidFill>
-            <a:headEnd type="none" w="med" len="med"/>
-            <a:tailEnd type="triangle" w="med" len="med"/>
-          </a:ln>
-        </p:spPr>
-        <p:style>
-          <a:lnRef idx="1">
-            <a:schemeClr val="accent1"/>
-          </a:lnRef>
-          <a:fillRef idx="0">
-            <a:schemeClr val="accent1"/>
-          </a:fillRef>
-          <a:effectRef idx="0">
-            <a:schemeClr val="accent1"/>
-          </a:effectRef>
-          <a:fontRef idx="minor">
-            <a:schemeClr val="tx1"/>
-          </a:fontRef>
-        </p:style>
-      </p:cxnSp>
-      <mc:AlternateContent xmlns:mc="http://schemas.openxmlformats.org/markup-compatibility/2006">
-        <mc:Choice xmlns:a14="http://schemas.microsoft.com/office/drawing/2010/main" Requires="a14">
-          <p:sp>
-            <p:nvSpPr>
-              <p:cNvPr id="52" name="CaixaDeTexto 51">
-                <a:extLst>
-                  <a:ext uri="{FF2B5EF4-FFF2-40B4-BE49-F238E27FC236}">
-                    <a16:creationId xmlns:a16="http://schemas.microsoft.com/office/drawing/2014/main" id="{FB4343DF-8543-4A4B-8942-21DCCF8F26A6}"/>
-                  </a:ext>
-                </a:extLst>
-              </p:cNvPr>
-              <p:cNvSpPr txBox="1"/>
-              <p:nvPr/>
-            </p:nvSpPr>
-            <p:spPr>
-              <a:xfrm>
-                <a:off x="1373496" y="450629"/>
-                <a:ext cx="642419" cy="584775"/>
-              </a:xfrm>
-              <a:prstGeom prst="rect">
-                <a:avLst/>
-              </a:prstGeom>
-              <a:noFill/>
-            </p:spPr>
-            <p:txBody>
-              <a:bodyPr wrap="none" rtlCol="0">
-                <a:spAutoFit/>
-              </a:bodyPr>
-              <a:lstStyle/>
-              <a:p>
-                <a:pPr/>
-                <a14:m>
-                  <m:oMathPara xmlns:m="http://schemas.openxmlformats.org/officeDocument/2006/math">
-                    <m:oMathParaPr>
-                      <m:jc m:val="centerGroup"/>
-                    </m:oMathParaPr>
-                    <m:oMath xmlns:m="http://schemas.openxmlformats.org/officeDocument/2006/math">
-                      <m:sSub>
-                        <m:sSubPr>
-                          <m:ctrlPr>
-                            <a:rPr lang="en-US" sz="3200" b="0" i="1" smtClean="0">
-                              <a:latin typeface="Cambria Math" panose="02040503050406030204" pitchFamily="18" charset="0"/>
-                            </a:rPr>
-                          </m:ctrlPr>
-                        </m:sSubPr>
-                        <m:e>
-                          <m:r>
-                            <a:rPr lang="en-US" sz="3200" b="0" i="1" smtClean="0">
-                              <a:latin typeface="Cambria Math" panose="02040503050406030204" pitchFamily="18" charset="0"/>
-                            </a:rPr>
-                            <m:t>𝑍</m:t>
-                          </m:r>
-                        </m:e>
-                        <m:sub>
-                          <m:r>
-                            <a:rPr lang="en-US" sz="3200" b="0" i="1" smtClean="0">
-                              <a:latin typeface="Cambria Math" panose="02040503050406030204" pitchFamily="18" charset="0"/>
-                            </a:rPr>
-                            <m:t>𝑖</m:t>
-                          </m:r>
-                        </m:sub>
-                      </m:sSub>
-                    </m:oMath>
-                  </m:oMathPara>
-                </a14:m>
-                <a:endParaRPr lang="pt-BR" dirty="0"/>
-              </a:p>
-            </p:txBody>
-          </p:sp>
-        </mc:Choice>
-        <mc:Fallback>
-          <p:sp>
-            <p:nvSpPr>
-              <p:cNvPr id="52" name="CaixaDeTexto 51">
-                <a:extLst>
-                  <a:ext uri="{FF2B5EF4-FFF2-40B4-BE49-F238E27FC236}">
-                    <a16:creationId xmlns:a16="http://schemas.microsoft.com/office/drawing/2014/main" id="{FB4343DF-8543-4A4B-8942-21DCCF8F26A6}"/>
-                  </a:ext>
-                </a:extLst>
-              </p:cNvPr>
-              <p:cNvSpPr txBox="1">
-                <a:spLocks noRot="1" noChangeAspect="1" noMove="1" noResize="1" noEditPoints="1" noAdjustHandles="1" noChangeArrowheads="1" noChangeShapeType="1" noTextEdit="1"/>
-              </p:cNvSpPr>
-              <p:nvPr/>
-            </p:nvSpPr>
-            <p:spPr>
-              <a:xfrm>
-                <a:off x="1373496" y="450629"/>
-                <a:ext cx="642419" cy="584775"/>
-              </a:xfrm>
-              <a:prstGeom prst="rect">
-                <a:avLst/>
-              </a:prstGeom>
-              <a:blipFill>
-                <a:blip r:embed="rId2"/>
-                <a:stretch>
-                  <a:fillRect/>
-                </a:stretch>
-              </a:blipFill>
-            </p:spPr>
-            <p:txBody>
-              <a:bodyPr/>
-              <a:lstStyle/>
-              <a:p>
-                <a:r>
-                  <a:rPr lang="pt-BR">
-                    <a:noFill/>
-                  </a:rPr>
-                  <a:t> </a:t>
-                </a:r>
-              </a:p>
-            </p:txBody>
-          </p:sp>
-        </mc:Fallback>
-      </mc:AlternateContent>
-      <mc:AlternateContent xmlns:mc="http://schemas.openxmlformats.org/markup-compatibility/2006">
-        <mc:Choice xmlns:a14="http://schemas.microsoft.com/office/drawing/2010/main" Requires="a14">
-          <p:sp>
-            <p:nvSpPr>
-              <p:cNvPr id="53" name="CaixaDeTexto 52">
-                <a:extLst>
-                  <a:ext uri="{FF2B5EF4-FFF2-40B4-BE49-F238E27FC236}">
-                    <a16:creationId xmlns:a16="http://schemas.microsoft.com/office/drawing/2014/main" id="{FD2CB419-DBB0-472A-AA41-50D90C5B6BC8}"/>
-                  </a:ext>
-                </a:extLst>
-              </p:cNvPr>
-              <p:cNvSpPr txBox="1"/>
-              <p:nvPr/>
-            </p:nvSpPr>
-            <p:spPr>
-              <a:xfrm>
-                <a:off x="8844909" y="2194799"/>
-                <a:ext cx="657231" cy="584775"/>
-              </a:xfrm>
-              <a:prstGeom prst="rect">
-                <a:avLst/>
-              </a:prstGeom>
-              <a:noFill/>
-            </p:spPr>
-            <p:txBody>
-              <a:bodyPr wrap="none" rtlCol="0">
-                <a:spAutoFit/>
-              </a:bodyPr>
-              <a:lstStyle/>
-              <a:p>
-                <a:pPr/>
-                <a14:m>
-                  <m:oMathPara xmlns:m="http://schemas.openxmlformats.org/officeDocument/2006/math">
-                    <m:oMathParaPr>
-                      <m:jc m:val="centerGroup"/>
-                    </m:oMathParaPr>
-                    <m:oMath xmlns:m="http://schemas.openxmlformats.org/officeDocument/2006/math">
-                      <m:sSub>
-                        <m:sSubPr>
-                          <m:ctrlPr>
-                            <a:rPr lang="en-US" sz="3200" b="0" i="1" smtClean="0">
-                              <a:latin typeface="Cambria Math" panose="02040503050406030204" pitchFamily="18" charset="0"/>
-                            </a:rPr>
-                          </m:ctrlPr>
-                        </m:sSubPr>
-                        <m:e>
-                          <m:r>
-                            <a:rPr lang="en-US" sz="3200" b="0" i="1" smtClean="0">
-                              <a:latin typeface="Cambria Math" panose="02040503050406030204" pitchFamily="18" charset="0"/>
-                            </a:rPr>
-                            <m:t>𝑋</m:t>
-                          </m:r>
-                        </m:e>
-                        <m:sub>
-                          <m:r>
-                            <a:rPr lang="en-US" sz="3200" b="0" i="1" smtClean="0">
-                              <a:latin typeface="Cambria Math" panose="02040503050406030204" pitchFamily="18" charset="0"/>
-                            </a:rPr>
-                            <m:t>𝑖</m:t>
-                          </m:r>
-                        </m:sub>
-                      </m:sSub>
-                    </m:oMath>
-                  </m:oMathPara>
-                </a14:m>
-                <a:endParaRPr lang="pt-BR" dirty="0"/>
-              </a:p>
-            </p:txBody>
-          </p:sp>
-        </mc:Choice>
-        <mc:Fallback>
-          <p:sp>
-            <p:nvSpPr>
-              <p:cNvPr id="53" name="CaixaDeTexto 52">
-                <a:extLst>
-                  <a:ext uri="{FF2B5EF4-FFF2-40B4-BE49-F238E27FC236}">
-                    <a16:creationId xmlns:a16="http://schemas.microsoft.com/office/drawing/2014/main" id="{FD2CB419-DBB0-472A-AA41-50D90C5B6BC8}"/>
-                  </a:ext>
-                </a:extLst>
-              </p:cNvPr>
-              <p:cNvSpPr txBox="1">
-                <a:spLocks noRot="1" noChangeAspect="1" noMove="1" noResize="1" noEditPoints="1" noAdjustHandles="1" noChangeArrowheads="1" noChangeShapeType="1" noTextEdit="1"/>
-              </p:cNvSpPr>
-              <p:nvPr/>
-            </p:nvSpPr>
-            <p:spPr>
-              <a:xfrm>
-                <a:off x="8844909" y="2194799"/>
-                <a:ext cx="657231" cy="584775"/>
-              </a:xfrm>
-              <a:prstGeom prst="rect">
-                <a:avLst/>
-              </a:prstGeom>
-              <a:blipFill>
-                <a:blip r:embed="rId3"/>
-                <a:stretch>
-                  <a:fillRect/>
-                </a:stretch>
-              </a:blipFill>
-            </p:spPr>
-            <p:txBody>
-              <a:bodyPr/>
-              <a:lstStyle/>
-              <a:p>
-                <a:r>
-                  <a:rPr lang="pt-BR">
-                    <a:noFill/>
-                  </a:rPr>
-                  <a:t> </a:t>
-                </a:r>
-              </a:p>
-            </p:txBody>
-          </p:sp>
-        </mc:Fallback>
-      </mc:AlternateContent>
-      <mc:AlternateContent xmlns:mc="http://schemas.openxmlformats.org/markup-compatibility/2006">
-        <mc:Choice xmlns:a14="http://schemas.microsoft.com/office/drawing/2010/main" Requires="a14">
-          <p:sp>
-            <p:nvSpPr>
-              <p:cNvPr id="54" name="CaixaDeTexto 53">
-                <a:extLst>
-                  <a:ext uri="{FF2B5EF4-FFF2-40B4-BE49-F238E27FC236}">
-                    <a16:creationId xmlns:a16="http://schemas.microsoft.com/office/drawing/2014/main" id="{8CC7CE44-9C8C-4D71-B0FE-752CC57E1074}"/>
-                  </a:ext>
-                </a:extLst>
-              </p:cNvPr>
-              <p:cNvSpPr txBox="1"/>
-              <p:nvPr/>
-            </p:nvSpPr>
-            <p:spPr>
-              <a:xfrm>
-                <a:off x="3268156" y="1100777"/>
-                <a:ext cx="590290" cy="584775"/>
-              </a:xfrm>
-              <a:prstGeom prst="rect">
-                <a:avLst/>
-              </a:prstGeom>
-              <a:noFill/>
-            </p:spPr>
-            <p:txBody>
-              <a:bodyPr wrap="none" rtlCol="0">
-                <a:spAutoFit/>
-              </a:bodyPr>
-              <a:lstStyle/>
-              <a:p>
-                <a:pPr/>
-                <a14:m>
-                  <m:oMathPara xmlns:m="http://schemas.openxmlformats.org/officeDocument/2006/math">
-                    <m:oMathParaPr>
-                      <m:jc m:val="centerGroup"/>
-                    </m:oMathParaPr>
-                    <m:oMath xmlns:m="http://schemas.openxmlformats.org/officeDocument/2006/math">
-                      <m:sSub>
-                        <m:sSubPr>
-                          <m:ctrlPr>
-                            <a:rPr lang="en-US" sz="3200" b="0" i="1" smtClean="0">
-                              <a:latin typeface="Cambria Math" panose="02040503050406030204" pitchFamily="18" charset="0"/>
-                            </a:rPr>
-                          </m:ctrlPr>
-                        </m:sSubPr>
-                        <m:e>
-                          <m:r>
-                            <a:rPr lang="en-US" sz="3200" b="0" i="1" smtClean="0">
-                              <a:latin typeface="Cambria Math" panose="02040503050406030204" pitchFamily="18" charset="0"/>
-                            </a:rPr>
-                            <m:t>𝑌</m:t>
-                          </m:r>
-                        </m:e>
-                        <m:sub>
-                          <m:r>
-                            <a:rPr lang="en-US" sz="3200" b="0" i="1" smtClean="0">
-                              <a:latin typeface="Cambria Math" panose="02040503050406030204" pitchFamily="18" charset="0"/>
-                            </a:rPr>
-                            <m:t>𝑖</m:t>
-                          </m:r>
-                        </m:sub>
-                      </m:sSub>
-                    </m:oMath>
-                  </m:oMathPara>
-                </a14:m>
-                <a:endParaRPr lang="pt-BR" dirty="0"/>
-              </a:p>
-            </p:txBody>
-          </p:sp>
-        </mc:Choice>
-        <mc:Fallback>
-          <p:sp>
-            <p:nvSpPr>
-              <p:cNvPr id="54" name="CaixaDeTexto 53">
-                <a:extLst>
-                  <a:ext uri="{FF2B5EF4-FFF2-40B4-BE49-F238E27FC236}">
-                    <a16:creationId xmlns:a16="http://schemas.microsoft.com/office/drawing/2014/main" id="{8CC7CE44-9C8C-4D71-B0FE-752CC57E1074}"/>
-                  </a:ext>
-                </a:extLst>
-              </p:cNvPr>
-              <p:cNvSpPr txBox="1">
-                <a:spLocks noRot="1" noChangeAspect="1" noMove="1" noResize="1" noEditPoints="1" noAdjustHandles="1" noChangeArrowheads="1" noChangeShapeType="1" noTextEdit="1"/>
-              </p:cNvSpPr>
-              <p:nvPr/>
-            </p:nvSpPr>
-            <p:spPr>
-              <a:xfrm>
-                <a:off x="3268156" y="1100777"/>
-                <a:ext cx="590290" cy="584775"/>
-              </a:xfrm>
-              <a:prstGeom prst="rect">
-                <a:avLst/>
-              </a:prstGeom>
-              <a:blipFill>
-                <a:blip r:embed="rId4"/>
-                <a:stretch>
-                  <a:fillRect/>
-                </a:stretch>
-              </a:blipFill>
-            </p:spPr>
-            <p:txBody>
-              <a:bodyPr/>
-              <a:lstStyle/>
-              <a:p>
-                <a:r>
-                  <a:rPr lang="pt-BR">
-                    <a:noFill/>
-                  </a:rPr>
-                  <a:t> </a:t>
-                </a:r>
-              </a:p>
-            </p:txBody>
-          </p:sp>
-        </mc:Fallback>
-      </mc:AlternateContent>
-      <mc:AlternateContent xmlns:mc="http://schemas.openxmlformats.org/markup-compatibility/2006">
-        <mc:Choice xmlns:a14="http://schemas.microsoft.com/office/drawing/2010/main" Requires="a14">
-          <p:sp>
-            <p:nvSpPr>
-              <p:cNvPr id="67" name="CaixaDeTexto 66">
-                <a:extLst>
-                  <a:ext uri="{FF2B5EF4-FFF2-40B4-BE49-F238E27FC236}">
-                    <a16:creationId xmlns:a16="http://schemas.microsoft.com/office/drawing/2014/main" id="{062DE935-69A4-4E0B-A215-543D82D4E98A}"/>
-                  </a:ext>
-                </a:extLst>
-              </p:cNvPr>
-              <p:cNvSpPr txBox="1"/>
-              <p:nvPr/>
-            </p:nvSpPr>
-            <p:spPr>
-              <a:xfrm>
-                <a:off x="1498665" y="2615625"/>
-                <a:ext cx="371346" cy="584775"/>
-              </a:xfrm>
-              <a:prstGeom prst="rect">
-                <a:avLst/>
-              </a:prstGeom>
-              <a:noFill/>
-            </p:spPr>
-            <p:txBody>
-              <a:bodyPr wrap="square" rtlCol="0">
-                <a:spAutoFit/>
-              </a:bodyPr>
-              <a:lstStyle/>
-              <a:p>
-                <a:pPr/>
-                <a14:m>
-                  <m:oMathPara xmlns:m="http://schemas.openxmlformats.org/officeDocument/2006/math">
-                    <m:oMathParaPr>
-                      <m:jc m:val="centerGroup"/>
-                    </m:oMathParaPr>
-                    <m:oMath xmlns:m="http://schemas.openxmlformats.org/officeDocument/2006/math">
-                      <m:sSub>
-                        <m:sSubPr>
-                          <m:ctrlPr>
-                            <a:rPr lang="en-US" sz="3200" b="0" i="1" smtClean="0">
-                              <a:latin typeface="Cambria Math" panose="02040503050406030204" pitchFamily="18" charset="0"/>
-                            </a:rPr>
-                          </m:ctrlPr>
-                        </m:sSubPr>
-                        <m:e>
-                          <m:r>
-                            <a:rPr lang="en-US" sz="3200" b="0" i="1" smtClean="0">
-                              <a:latin typeface="Cambria Math" panose="02040503050406030204" pitchFamily="18" charset="0"/>
-                            </a:rPr>
-                            <m:t>𝑂</m:t>
-                          </m:r>
-                        </m:e>
-                        <m:sub>
-                          <m:r>
-                            <a:rPr lang="en-US" sz="3200" b="0" i="1" smtClean="0">
-                              <a:latin typeface="Cambria Math" panose="02040503050406030204" pitchFamily="18" charset="0"/>
-                            </a:rPr>
-                            <m:t>𝑖</m:t>
-                          </m:r>
-                        </m:sub>
-                      </m:sSub>
-                    </m:oMath>
-                  </m:oMathPara>
-                </a14:m>
-                <a:endParaRPr lang="pt-BR" dirty="0"/>
-              </a:p>
-            </p:txBody>
-          </p:sp>
-        </mc:Choice>
-        <mc:Fallback>
-          <p:sp>
-            <p:nvSpPr>
-              <p:cNvPr id="67" name="CaixaDeTexto 66">
-                <a:extLst>
-                  <a:ext uri="{FF2B5EF4-FFF2-40B4-BE49-F238E27FC236}">
-                    <a16:creationId xmlns:a16="http://schemas.microsoft.com/office/drawing/2014/main" id="{062DE935-69A4-4E0B-A215-543D82D4E98A}"/>
-                  </a:ext>
-                </a:extLst>
-              </p:cNvPr>
-              <p:cNvSpPr txBox="1">
-                <a:spLocks noRot="1" noChangeAspect="1" noMove="1" noResize="1" noEditPoints="1" noAdjustHandles="1" noChangeArrowheads="1" noChangeShapeType="1" noTextEdit="1"/>
-              </p:cNvSpPr>
-              <p:nvPr/>
-            </p:nvSpPr>
-            <p:spPr>
-              <a:xfrm>
-                <a:off x="1498665" y="2615625"/>
-                <a:ext cx="371346" cy="584775"/>
-              </a:xfrm>
-              <a:prstGeom prst="rect">
-                <a:avLst/>
-              </a:prstGeom>
-              <a:blipFill>
-                <a:blip r:embed="rId5"/>
-                <a:stretch>
-                  <a:fillRect r="-19672"/>
-                </a:stretch>
-              </a:blipFill>
-            </p:spPr>
-            <p:txBody>
-              <a:bodyPr/>
-              <a:lstStyle/>
-              <a:p>
-                <a:r>
-                  <a:rPr lang="pt-BR">
-                    <a:noFill/>
-                  </a:rPr>
-                  <a:t> </a:t>
-                </a:r>
-              </a:p>
-            </p:txBody>
-          </p:sp>
-        </mc:Fallback>
-      </mc:AlternateContent>
+            </a:fontRef>
+          </p:style>
+        </p:cxnSp>
+        <mc:AlternateContent xmlns:mc="http://schemas.openxmlformats.org/markup-compatibility/2006">
+          <mc:Choice xmlns:a14="http://schemas.microsoft.com/office/drawing/2010/main" Requires="a14">
+            <p:sp>
+              <p:nvSpPr>
+                <p:cNvPr id="52" name="CaixaDeTexto 51">
+                  <a:extLst>
+                    <a:ext uri="{FF2B5EF4-FFF2-40B4-BE49-F238E27FC236}">
+                      <a16:creationId xmlns:a16="http://schemas.microsoft.com/office/drawing/2014/main" xmlns="" id="{FB4343DF-8543-4A4B-8942-21DCCF8F26A6}"/>
+                    </a:ext>
+                  </a:extLst>
+                </p:cNvPr>
+                <p:cNvSpPr txBox="1"/>
+                <p:nvPr/>
+              </p:nvSpPr>
+              <p:spPr>
+                <a:xfrm>
+                  <a:off x="646848" y="4496236"/>
+                  <a:ext cx="652871" cy="584775"/>
+                </a:xfrm>
+                <a:prstGeom prst="rect">
+                  <a:avLst/>
+                </a:prstGeom>
+                <a:noFill/>
+              </p:spPr>
+              <p:txBody>
+                <a:bodyPr wrap="none" rtlCol="0">
+                  <a:spAutoFit/>
+                </a:bodyPr>
+                <a:lstStyle/>
+                <a:p>
+                  <a:pPr/>
+                  <a14:m>
+                    <m:oMathPara xmlns:m="http://schemas.openxmlformats.org/officeDocument/2006/math">
+                      <m:oMathParaPr>
+                        <m:jc m:val="centerGroup"/>
+                      </m:oMathParaPr>
+                      <m:oMath xmlns:m="http://schemas.openxmlformats.org/officeDocument/2006/math">
+                        <m:sSub>
+                          <m:sSubPr>
+                            <m:ctrlPr>
+                              <a:rPr lang="en-US" sz="3200" b="0" i="1" smtClean="0">
+                                <a:latin typeface="Cambria Math" panose="02040503050406030204" pitchFamily="18" charset="0"/>
+                              </a:rPr>
+                            </m:ctrlPr>
+                          </m:sSubPr>
+                          <m:e>
+                            <m:r>
+                              <a:rPr lang="en-US" sz="3200" b="0" i="1" smtClean="0">
+                                <a:latin typeface="Cambria Math" panose="02040503050406030204" pitchFamily="18" charset="0"/>
+                              </a:rPr>
+                              <m:t>𝑍</m:t>
+                            </m:r>
+                          </m:e>
+                          <m:sub>
+                            <m:r>
+                              <a:rPr lang="pt-BR" sz="3200" b="0" i="1" smtClean="0">
+                                <a:latin typeface="Cambria Math" panose="02040503050406030204" pitchFamily="18" charset="0"/>
+                              </a:rPr>
+                              <m:t>𝐼</m:t>
+                            </m:r>
+                          </m:sub>
+                        </m:sSub>
+                      </m:oMath>
+                    </m:oMathPara>
+                  </a14:m>
+                  <a:endParaRPr lang="pt-BR" dirty="0"/>
+                </a:p>
+              </p:txBody>
+            </p:sp>
+          </mc:Choice>
+          <mc:Fallback>
+            <p:sp>
+              <p:nvSpPr>
+                <p:cNvPr id="52" name="CaixaDeTexto 51">
+                  <a:extLst>
+                    <a:ext uri="{FF2B5EF4-FFF2-40B4-BE49-F238E27FC236}">
+                      <a16:creationId xmlns:a16="http://schemas.microsoft.com/office/drawing/2014/main" xmlns:a14="http://schemas.microsoft.com/office/drawing/2010/main" xmlns="" id="{FB4343DF-8543-4A4B-8942-21DCCF8F26A6}"/>
+                    </a:ext>
+                  </a:extLst>
+                </p:cNvPr>
+                <p:cNvSpPr txBox="1">
+                  <a:spLocks noRot="1" noChangeAspect="1" noMove="1" noResize="1" noEditPoints="1" noAdjustHandles="1" noChangeArrowheads="1" noChangeShapeType="1" noTextEdit="1"/>
+                </p:cNvSpPr>
+                <p:nvPr/>
+              </p:nvSpPr>
+              <p:spPr>
+                <a:xfrm>
+                  <a:off x="646848" y="4496236"/>
+                  <a:ext cx="652871" cy="584775"/>
+                </a:xfrm>
+                <a:prstGeom prst="rect">
+                  <a:avLst/>
+                </a:prstGeom>
+                <a:blipFill rotWithShape="0">
+                  <a:blip r:embed="rId2"/>
+                  <a:stretch>
+                    <a:fillRect/>
+                  </a:stretch>
+                </a:blipFill>
+              </p:spPr>
+              <p:txBody>
+                <a:bodyPr/>
+                <a:lstStyle/>
+                <a:p>
+                  <a:r>
+                    <a:rPr lang="pt-BR">
+                      <a:noFill/>
+                    </a:rPr>
+                    <a:t> </a:t>
+                  </a:r>
+                </a:p>
+              </p:txBody>
+            </p:sp>
+          </mc:Fallback>
+        </mc:AlternateContent>
+        <mc:AlternateContent xmlns:mc="http://schemas.openxmlformats.org/markup-compatibility/2006">
+          <mc:Choice xmlns:a14="http://schemas.microsoft.com/office/drawing/2010/main" Requires="a14">
+            <p:sp>
+              <p:nvSpPr>
+                <p:cNvPr id="53" name="CaixaDeTexto 52">
+                  <a:extLst>
+                    <a:ext uri="{FF2B5EF4-FFF2-40B4-BE49-F238E27FC236}">
+                      <a16:creationId xmlns:a16="http://schemas.microsoft.com/office/drawing/2014/main" xmlns="" id="{FD2CB419-DBB0-472A-AA41-50D90C5B6BC8}"/>
+                    </a:ext>
+                  </a:extLst>
+                </p:cNvPr>
+                <p:cNvSpPr txBox="1"/>
+                <p:nvPr/>
+              </p:nvSpPr>
+              <p:spPr>
+                <a:xfrm>
+                  <a:off x="1153731" y="2984496"/>
+                  <a:ext cx="667682" cy="584775"/>
+                </a:xfrm>
+                <a:prstGeom prst="rect">
+                  <a:avLst/>
+                </a:prstGeom>
+                <a:noFill/>
+              </p:spPr>
+              <p:txBody>
+                <a:bodyPr wrap="none" rtlCol="0">
+                  <a:spAutoFit/>
+                </a:bodyPr>
+                <a:lstStyle/>
+                <a:p>
+                  <a:pPr/>
+                  <a14:m>
+                    <m:oMathPara xmlns:m="http://schemas.openxmlformats.org/officeDocument/2006/math">
+                      <m:oMathParaPr>
+                        <m:jc m:val="centerGroup"/>
+                      </m:oMathParaPr>
+                      <m:oMath xmlns:m="http://schemas.openxmlformats.org/officeDocument/2006/math">
+                        <m:sSub>
+                          <m:sSubPr>
+                            <m:ctrlPr>
+                              <a:rPr lang="en-US" sz="3200" b="0" i="1" smtClean="0">
+                                <a:latin typeface="Cambria Math" panose="02040503050406030204" pitchFamily="18" charset="0"/>
+                              </a:rPr>
+                            </m:ctrlPr>
+                          </m:sSubPr>
+                          <m:e>
+                            <m:r>
+                              <a:rPr lang="en-US" sz="3200" b="0" i="1" smtClean="0">
+                                <a:latin typeface="Cambria Math" panose="02040503050406030204" pitchFamily="18" charset="0"/>
+                              </a:rPr>
+                              <m:t>𝑋</m:t>
+                            </m:r>
+                          </m:e>
+                          <m:sub>
+                            <m:r>
+                              <a:rPr lang="pt-BR" sz="3200" b="0" i="1" smtClean="0">
+                                <a:latin typeface="Cambria Math" panose="02040503050406030204" pitchFamily="18" charset="0"/>
+                              </a:rPr>
+                              <m:t>𝐼</m:t>
+                            </m:r>
+                          </m:sub>
+                        </m:sSub>
+                      </m:oMath>
+                    </m:oMathPara>
+                  </a14:m>
+                  <a:endParaRPr lang="pt-BR" dirty="0"/>
+                </a:p>
+              </p:txBody>
+            </p:sp>
+          </mc:Choice>
+          <mc:Fallback>
+            <p:sp>
+              <p:nvSpPr>
+                <p:cNvPr id="53" name="CaixaDeTexto 52">
+                  <a:extLst>
+                    <a:ext uri="{FF2B5EF4-FFF2-40B4-BE49-F238E27FC236}">
+                      <a16:creationId xmlns:a16="http://schemas.microsoft.com/office/drawing/2014/main" xmlns:a14="http://schemas.microsoft.com/office/drawing/2010/main" xmlns="" id="{FD2CB419-DBB0-472A-AA41-50D90C5B6BC8}"/>
+                    </a:ext>
+                  </a:extLst>
+                </p:cNvPr>
+                <p:cNvSpPr txBox="1">
+                  <a:spLocks noRot="1" noChangeAspect="1" noMove="1" noResize="1" noEditPoints="1" noAdjustHandles="1" noChangeArrowheads="1" noChangeShapeType="1" noTextEdit="1"/>
+                </p:cNvSpPr>
+                <p:nvPr/>
+              </p:nvSpPr>
+              <p:spPr>
+                <a:xfrm>
+                  <a:off x="1153731" y="2984496"/>
+                  <a:ext cx="667682" cy="584775"/>
+                </a:xfrm>
+                <a:prstGeom prst="rect">
+                  <a:avLst/>
+                </a:prstGeom>
+                <a:blipFill rotWithShape="0">
+                  <a:blip r:embed="rId3"/>
+                  <a:stretch>
+                    <a:fillRect/>
+                  </a:stretch>
+                </a:blipFill>
+              </p:spPr>
+              <p:txBody>
+                <a:bodyPr/>
+                <a:lstStyle/>
+                <a:p>
+                  <a:r>
+                    <a:rPr lang="pt-BR">
+                      <a:noFill/>
+                    </a:rPr>
+                    <a:t> </a:t>
+                  </a:r>
+                </a:p>
+              </p:txBody>
+            </p:sp>
+          </mc:Fallback>
+        </mc:AlternateContent>
+        <mc:AlternateContent xmlns:mc="http://schemas.openxmlformats.org/markup-compatibility/2006">
+          <mc:Choice xmlns:a14="http://schemas.microsoft.com/office/drawing/2010/main" Requires="a14">
+            <p:sp>
+              <p:nvSpPr>
+                <p:cNvPr id="54" name="CaixaDeTexto 53">
+                  <a:extLst>
+                    <a:ext uri="{FF2B5EF4-FFF2-40B4-BE49-F238E27FC236}">
+                      <a16:creationId xmlns:a16="http://schemas.microsoft.com/office/drawing/2014/main" xmlns="" id="{8CC7CE44-9C8C-4D71-B0FE-752CC57E1074}"/>
+                    </a:ext>
+                  </a:extLst>
+                </p:cNvPr>
+                <p:cNvSpPr txBox="1"/>
+                <p:nvPr/>
+              </p:nvSpPr>
+              <p:spPr>
+                <a:xfrm>
+                  <a:off x="2150244" y="4032753"/>
+                  <a:ext cx="600741" cy="584775"/>
+                </a:xfrm>
+                <a:prstGeom prst="rect">
+                  <a:avLst/>
+                </a:prstGeom>
+                <a:noFill/>
+              </p:spPr>
+              <p:txBody>
+                <a:bodyPr wrap="none" rtlCol="0">
+                  <a:spAutoFit/>
+                </a:bodyPr>
+                <a:lstStyle/>
+                <a:p>
+                  <a:pPr/>
+                  <a14:m>
+                    <m:oMathPara xmlns:m="http://schemas.openxmlformats.org/officeDocument/2006/math">
+                      <m:oMathParaPr>
+                        <m:jc m:val="centerGroup"/>
+                      </m:oMathParaPr>
+                      <m:oMath xmlns:m="http://schemas.openxmlformats.org/officeDocument/2006/math">
+                        <m:sSub>
+                          <m:sSubPr>
+                            <m:ctrlPr>
+                              <a:rPr lang="en-US" sz="3200" b="0" i="1" smtClean="0">
+                                <a:latin typeface="Cambria Math" panose="02040503050406030204" pitchFamily="18" charset="0"/>
+                              </a:rPr>
+                            </m:ctrlPr>
+                          </m:sSubPr>
+                          <m:e>
+                            <m:r>
+                              <a:rPr lang="en-US" sz="3200" b="0" i="1" smtClean="0">
+                                <a:latin typeface="Cambria Math" panose="02040503050406030204" pitchFamily="18" charset="0"/>
+                              </a:rPr>
+                              <m:t>𝑌</m:t>
+                            </m:r>
+                          </m:e>
+                          <m:sub>
+                            <m:r>
+                              <a:rPr lang="pt-BR" sz="3200" b="0" i="1" smtClean="0">
+                                <a:latin typeface="Cambria Math" panose="02040503050406030204" pitchFamily="18" charset="0"/>
+                              </a:rPr>
+                              <m:t>𝐼</m:t>
+                            </m:r>
+                          </m:sub>
+                        </m:sSub>
+                      </m:oMath>
+                    </m:oMathPara>
+                  </a14:m>
+                  <a:endParaRPr lang="pt-BR" dirty="0"/>
+                </a:p>
+              </p:txBody>
+            </p:sp>
+          </mc:Choice>
+          <mc:Fallback>
+            <p:sp>
+              <p:nvSpPr>
+                <p:cNvPr id="54" name="CaixaDeTexto 53">
+                  <a:extLst>
+                    <a:ext uri="{FF2B5EF4-FFF2-40B4-BE49-F238E27FC236}">
+                      <a16:creationId xmlns:a16="http://schemas.microsoft.com/office/drawing/2014/main" xmlns:a14="http://schemas.microsoft.com/office/drawing/2010/main" xmlns="" id="{8CC7CE44-9C8C-4D71-B0FE-752CC57E1074}"/>
+                    </a:ext>
+                  </a:extLst>
+                </p:cNvPr>
+                <p:cNvSpPr txBox="1">
+                  <a:spLocks noRot="1" noChangeAspect="1" noMove="1" noResize="1" noEditPoints="1" noAdjustHandles="1" noChangeArrowheads="1" noChangeShapeType="1" noTextEdit="1"/>
+                </p:cNvSpPr>
+                <p:nvPr/>
+              </p:nvSpPr>
+              <p:spPr>
+                <a:xfrm>
+                  <a:off x="2150244" y="4032753"/>
+                  <a:ext cx="600741" cy="584775"/>
+                </a:xfrm>
+                <a:prstGeom prst="rect">
+                  <a:avLst/>
+                </a:prstGeom>
+                <a:blipFill rotWithShape="0">
+                  <a:blip r:embed="rId4"/>
+                  <a:stretch>
+                    <a:fillRect/>
+                  </a:stretch>
+                </a:blipFill>
+              </p:spPr>
+              <p:txBody>
+                <a:bodyPr/>
+                <a:lstStyle/>
+                <a:p>
+                  <a:r>
+                    <a:rPr lang="pt-BR">
+                      <a:noFill/>
+                    </a:rPr>
+                    <a:t> </a:t>
+                  </a:r>
+                </a:p>
+              </p:txBody>
+            </p:sp>
+          </mc:Fallback>
+        </mc:AlternateContent>
+        <p:sp>
+          <p:nvSpPr>
+            <p:cNvPr id="48" name="Fluxograma: Conector 47"/>
+            <p:cNvSpPr/>
+            <p:nvPr/>
+          </p:nvSpPr>
+          <p:spPr>
+            <a:xfrm>
+              <a:off x="1273392" y="3865660"/>
+              <a:ext cx="89736" cy="89736"/>
+            </a:xfrm>
+            <a:prstGeom prst="flowChartConnector">
+              <a:avLst/>
+            </a:prstGeom>
+          </p:spPr>
+          <p:style>
+            <a:lnRef idx="2">
+              <a:schemeClr val="dk1">
+                <a:shade val="50000"/>
+              </a:schemeClr>
+            </a:lnRef>
+            <a:fillRef idx="1">
+              <a:schemeClr val="dk1"/>
+            </a:fillRef>
+            <a:effectRef idx="0">
+              <a:schemeClr val="dk1"/>
+            </a:effectRef>
+            <a:fontRef idx="minor">
+              <a:schemeClr val="lt1"/>
+            </a:fontRef>
+          </p:style>
+          <p:txBody>
+            <a:bodyPr rtlCol="0" anchor="ctr"/>
+            <a:lstStyle/>
+            <a:p>
+              <a:pPr algn="ctr"/>
+              <a:endParaRPr lang="pt-BR"/>
+            </a:p>
+          </p:txBody>
+        </p:sp>
+      </p:grpSp>
       <p:grpSp>
         <p:nvGrpSpPr>
           <p:cNvPr id="18" name="Agrupar 17">
             <a:extLst>
               <a:ext uri="{FF2B5EF4-FFF2-40B4-BE49-F238E27FC236}">
-                <a16:creationId xmlns:a16="http://schemas.microsoft.com/office/drawing/2014/main" id="{0E45960A-860D-4F59-A483-8334D478B642}"/>
+                <a16:creationId xmlns:a16="http://schemas.microsoft.com/office/drawing/2014/main" xmlns="" id="{0E45960A-860D-4F59-A483-8334D478B642}"/>
               </a:ext>
             </a:extLst>
           </p:cNvPr>
@@ -3946,7 +3937,7 @@
             <p:cNvPr id="56" name="Paralelogramo 55">
               <a:extLst>
                 <a:ext uri="{FF2B5EF4-FFF2-40B4-BE49-F238E27FC236}">
-                  <a16:creationId xmlns:a16="http://schemas.microsoft.com/office/drawing/2014/main" id="{8B2CB5D6-1589-4965-8D37-697E79C07AF6}"/>
+                  <a16:creationId xmlns:a16="http://schemas.microsoft.com/office/drawing/2014/main" xmlns="" id="{8B2CB5D6-1589-4965-8D37-697E79C07AF6}"/>
                 </a:ext>
               </a:extLst>
             </p:cNvPr>
@@ -4004,7 +3995,7 @@
             <p:cNvPr id="10" name="Cilindro 9">
               <a:extLst>
                 <a:ext uri="{FF2B5EF4-FFF2-40B4-BE49-F238E27FC236}">
-                  <a16:creationId xmlns:a16="http://schemas.microsoft.com/office/drawing/2014/main" id="{12B830F2-D80F-4408-A300-563B1AA8478D}"/>
+                  <a16:creationId xmlns:a16="http://schemas.microsoft.com/office/drawing/2014/main" xmlns="" id="{12B830F2-D80F-4408-A300-563B1AA8478D}"/>
                 </a:ext>
               </a:extLst>
             </p:cNvPr>
@@ -4060,7 +4051,7 @@
             <p:cNvPr id="16" name="Forma Livre: Forma 15">
               <a:extLst>
                 <a:ext uri="{FF2B5EF4-FFF2-40B4-BE49-F238E27FC236}">
-                  <a16:creationId xmlns:a16="http://schemas.microsoft.com/office/drawing/2014/main" id="{48175EE4-87A1-4930-B8A3-1F846998CB2C}"/>
+                  <a16:creationId xmlns:a16="http://schemas.microsoft.com/office/drawing/2014/main" xmlns="" id="{48175EE4-87A1-4930-B8A3-1F846998CB2C}"/>
                 </a:ext>
               </a:extLst>
             </p:cNvPr>
@@ -4191,7 +4182,7 @@
             <p:cNvPr id="17" name="Paralelogramo 16">
               <a:extLst>
                 <a:ext uri="{FF2B5EF4-FFF2-40B4-BE49-F238E27FC236}">
-                  <a16:creationId xmlns:a16="http://schemas.microsoft.com/office/drawing/2014/main" id="{405FCC65-7DB8-4155-9986-3A1BBB29F39E}"/>
+                  <a16:creationId xmlns:a16="http://schemas.microsoft.com/office/drawing/2014/main" xmlns="" id="{405FCC65-7DB8-4155-9986-3A1BBB29F39E}"/>
                 </a:ext>
               </a:extLst>
             </p:cNvPr>
@@ -4249,7 +4240,7 @@
             <p:cNvPr id="55" name="Paralelogramo 54">
               <a:extLst>
                 <a:ext uri="{FF2B5EF4-FFF2-40B4-BE49-F238E27FC236}">
-                  <a16:creationId xmlns:a16="http://schemas.microsoft.com/office/drawing/2014/main" id="{46EB5B50-9E08-43C7-BDA9-C48A0824B554}"/>
+                  <a16:creationId xmlns:a16="http://schemas.microsoft.com/office/drawing/2014/main" xmlns="" id="{46EB5B50-9E08-43C7-BDA9-C48A0824B554}"/>
                 </a:ext>
               </a:extLst>
             </p:cNvPr>
@@ -4305,30 +4296,24 @@
       </p:grpSp>
       <p:grpSp>
         <p:nvGrpSpPr>
-          <p:cNvPr id="73" name="Agrupar 72">
-            <a:extLst>
-              <a:ext uri="{FF2B5EF4-FFF2-40B4-BE49-F238E27FC236}">
-                <a16:creationId xmlns:a16="http://schemas.microsoft.com/office/drawing/2014/main" id="{8C9C1A18-3754-4468-B87B-4AF87B1ECC64}"/>
-              </a:ext>
-            </a:extLst>
-          </p:cNvPr>
+          <p:cNvPr id="50" name="Grupo 49"/>
           <p:cNvGrpSpPr/>
           <p:nvPr/>
         </p:nvGrpSpPr>
         <p:grpSpPr>
-          <a:xfrm rot="760490">
-            <a:off x="3941057" y="406838"/>
-            <a:ext cx="2364676" cy="1898131"/>
-            <a:chOff x="4513886" y="827578"/>
-            <a:chExt cx="2364676" cy="1898131"/>
+          <a:xfrm rot="619790">
+            <a:off x="4363223" y="1395061"/>
+            <a:ext cx="4099900" cy="1852512"/>
+            <a:chOff x="4607916" y="1318285"/>
+            <a:chExt cx="3774162" cy="1705331"/>
           </a:xfrm>
         </p:grpSpPr>
         <p:cxnSp>
           <p:nvCxnSpPr>
-            <p:cNvPr id="26" name="Conector de Seta Reta 25">
+            <p:cNvPr id="87" name="Conector de Seta Reta 6">
               <a:extLst>
                 <a:ext uri="{FF2B5EF4-FFF2-40B4-BE49-F238E27FC236}">
-                  <a16:creationId xmlns:a16="http://schemas.microsoft.com/office/drawing/2014/main" id="{4FBE15B2-C8F0-421A-9EF6-E15EA676AA9E}"/>
+                  <a16:creationId xmlns:a16="http://schemas.microsoft.com/office/drawing/2014/main" xmlns="" id="{278940E6-E10D-4EC0-A97A-9A3BACCB371A}"/>
                 </a:ext>
               </a:extLst>
             </p:cNvPr>
@@ -4339,17 +4324,18 @@
           </p:nvCxnSpPr>
           <p:spPr>
             <a:xfrm flipV="1">
-              <a:off x="5431801" y="1145799"/>
-              <a:ext cx="414441" cy="1092802"/>
+              <a:off x="4957309" y="1318285"/>
+              <a:ext cx="3424769" cy="725266"/>
             </a:xfrm>
             <a:prstGeom prst="straightConnector1">
               <a:avLst/>
             </a:prstGeom>
             <a:ln w="38100">
               <a:solidFill>
-                <a:schemeClr val="tx1"/>
+                <a:srgbClr val="FF0000"/>
               </a:solidFill>
-              <a:tailEnd type="triangle"/>
+              <a:headEnd type="none" w="med" len="med"/>
+              <a:tailEnd type="triangle" w="med" len="med"/>
             </a:ln>
           </p:spPr>
           <p:style>
@@ -4369,10 +4355,10 @@
         </p:cxnSp>
         <p:cxnSp>
           <p:nvCxnSpPr>
-            <p:cNvPr id="27" name="Conector de Seta Reta 26">
+            <p:cNvPr id="88" name="Conector de Seta Reta 8">
               <a:extLst>
                 <a:ext uri="{FF2B5EF4-FFF2-40B4-BE49-F238E27FC236}">
-                  <a16:creationId xmlns:a16="http://schemas.microsoft.com/office/drawing/2014/main" id="{96968AD3-8160-41BA-A417-CC5A22DB7F3E}"/>
+                  <a16:creationId xmlns:a16="http://schemas.microsoft.com/office/drawing/2014/main" xmlns="" id="{9556DD94-AF17-49A1-AE8A-B54A482AB54B}"/>
                 </a:ext>
               </a:extLst>
             </p:cNvPr>
@@ -4382,18 +4368,19 @@
             <p:nvPr/>
           </p:nvCxnSpPr>
           <p:spPr>
-            <a:xfrm flipH="1" flipV="1">
-              <a:off x="4978454" y="1422082"/>
-              <a:ext cx="463408" cy="820504"/>
+            <a:xfrm flipH="1">
+              <a:off x="4607916" y="2092349"/>
+              <a:ext cx="231584" cy="465633"/>
             </a:xfrm>
             <a:prstGeom prst="straightConnector1">
               <a:avLst/>
             </a:prstGeom>
             <a:ln w="38100">
               <a:solidFill>
-                <a:schemeClr val="tx1"/>
+                <a:srgbClr val="FF0000"/>
               </a:solidFill>
-              <a:tailEnd type="triangle"/>
+              <a:headEnd type="none" w="med" len="med"/>
+              <a:tailEnd type="triangle" w="med" len="med"/>
             </a:ln>
           </p:spPr>
           <p:style>
@@ -4413,10 +4400,10 @@
         </p:cxnSp>
         <p:cxnSp>
           <p:nvCxnSpPr>
-            <p:cNvPr id="28" name="Conector de Seta Reta 27">
+            <p:cNvPr id="89" name="Conector de Seta Reta 11">
               <a:extLst>
                 <a:ext uri="{FF2B5EF4-FFF2-40B4-BE49-F238E27FC236}">
-                  <a16:creationId xmlns:a16="http://schemas.microsoft.com/office/drawing/2014/main" id="{C4C3F846-8120-4941-9C41-3B32F805314B}"/>
+                  <a16:creationId xmlns:a16="http://schemas.microsoft.com/office/drawing/2014/main" xmlns="" id="{5EFC456D-919B-4876-B35C-083F6779CAE3}"/>
                 </a:ext>
               </a:extLst>
             </p:cNvPr>
@@ -4426,18 +4413,19 @@
             <p:nvPr/>
           </p:nvCxnSpPr>
           <p:spPr>
-            <a:xfrm flipV="1">
-              <a:off x="5431801" y="1676668"/>
-              <a:ext cx="1224952" cy="561931"/>
+            <a:xfrm>
+              <a:off x="4888298" y="1974540"/>
+              <a:ext cx="272120" cy="1049076"/>
             </a:xfrm>
             <a:prstGeom prst="straightConnector1">
               <a:avLst/>
             </a:prstGeom>
             <a:ln w="38100">
               <a:solidFill>
-                <a:schemeClr val="tx1"/>
+                <a:srgbClr val="FF0000"/>
               </a:solidFill>
-              <a:tailEnd type="triangle"/>
+              <a:headEnd type="none" w="med" len="med"/>
+              <a:tailEnd type="triangle" w="med" len="med"/>
             </a:ln>
           </p:spPr>
           <p:style>
@@ -4455,473 +4443,13 @@
             </a:fontRef>
           </p:style>
         </p:cxnSp>
-        <mc:AlternateContent xmlns:mc="http://schemas.openxmlformats.org/markup-compatibility/2006">
-          <mc:Choice xmlns:a14="http://schemas.microsoft.com/office/drawing/2010/main" Requires="a14">
-            <p:sp>
-              <p:nvSpPr>
-                <p:cNvPr id="68" name="CaixaDeTexto 67">
-                  <a:extLst>
-                    <a:ext uri="{FF2B5EF4-FFF2-40B4-BE49-F238E27FC236}">
-                      <a16:creationId xmlns:a16="http://schemas.microsoft.com/office/drawing/2014/main" id="{DF657A3A-ED07-44A9-9EC4-75088F68CAA5}"/>
-                    </a:ext>
-                  </a:extLst>
-                </p:cNvPr>
-                <p:cNvSpPr txBox="1"/>
-                <p:nvPr/>
-              </p:nvSpPr>
-              <p:spPr>
-                <a:xfrm rot="20839510">
-                  <a:off x="5118612" y="2140934"/>
-                  <a:ext cx="371346" cy="584775"/>
-                </a:xfrm>
-                <a:prstGeom prst="rect">
-                  <a:avLst/>
-                </a:prstGeom>
-                <a:noFill/>
-              </p:spPr>
-              <p:txBody>
-                <a:bodyPr wrap="square" rtlCol="0">
-                  <a:spAutoFit/>
-                </a:bodyPr>
-                <a:lstStyle/>
-                <a:p>
-                  <a:pPr/>
-                  <a14:m>
-                    <m:oMathPara xmlns:m="http://schemas.openxmlformats.org/officeDocument/2006/math">
-                      <m:oMathParaPr>
-                        <m:jc m:val="centerGroup"/>
-                      </m:oMathParaPr>
-                      <m:oMath xmlns:m="http://schemas.openxmlformats.org/officeDocument/2006/math">
-                        <m:sSub>
-                          <m:sSubPr>
-                            <m:ctrlPr>
-                              <a:rPr lang="en-US" sz="3200" b="0" i="1" smtClean="0">
-                                <a:latin typeface="Cambria Math" panose="02040503050406030204" pitchFamily="18" charset="0"/>
-                              </a:rPr>
-                            </m:ctrlPr>
-                          </m:sSubPr>
-                          <m:e>
-                            <m:r>
-                              <a:rPr lang="en-US" sz="3200" b="0" i="1" smtClean="0">
-                                <a:latin typeface="Cambria Math" panose="02040503050406030204" pitchFamily="18" charset="0"/>
-                              </a:rPr>
-                              <m:t>𝑂</m:t>
-                            </m:r>
-                          </m:e>
-                          <m:sub>
-                            <m:r>
-                              <a:rPr lang="en-US" sz="3200" b="0" i="1" smtClean="0">
-                                <a:latin typeface="Cambria Math" panose="02040503050406030204" pitchFamily="18" charset="0"/>
-                              </a:rPr>
-                              <m:t>𝑏</m:t>
-                            </m:r>
-                          </m:sub>
-                        </m:sSub>
-                      </m:oMath>
-                    </m:oMathPara>
-                  </a14:m>
-                  <a:endParaRPr lang="pt-BR" dirty="0"/>
-                </a:p>
-              </p:txBody>
-            </p:sp>
-          </mc:Choice>
-          <mc:Fallback>
-            <p:sp>
-              <p:nvSpPr>
-                <p:cNvPr id="68" name="CaixaDeTexto 67">
-                  <a:extLst>
-                    <a:ext uri="{FF2B5EF4-FFF2-40B4-BE49-F238E27FC236}">
-                      <a16:creationId xmlns:a16="http://schemas.microsoft.com/office/drawing/2014/main" id="{DF657A3A-ED07-44A9-9EC4-75088F68CAA5}"/>
-                    </a:ext>
-                  </a:extLst>
-                </p:cNvPr>
-                <p:cNvSpPr txBox="1">
-                  <a:spLocks noRot="1" noChangeAspect="1" noMove="1" noResize="1" noEditPoints="1" noAdjustHandles="1" noChangeArrowheads="1" noChangeShapeType="1" noTextEdit="1"/>
-                </p:cNvSpPr>
-                <p:nvPr/>
-              </p:nvSpPr>
-              <p:spPr>
-                <a:xfrm rot="20839510">
-                  <a:off x="5118612" y="2140934"/>
-                  <a:ext cx="371346" cy="584775"/>
-                </a:xfrm>
-                <a:prstGeom prst="rect">
-                  <a:avLst/>
-                </a:prstGeom>
-                <a:blipFill>
-                  <a:blip r:embed="rId6"/>
-                  <a:stretch>
-                    <a:fillRect r="-36066"/>
-                  </a:stretch>
-                </a:blipFill>
-              </p:spPr>
-              <p:txBody>
-                <a:bodyPr/>
-                <a:lstStyle/>
-                <a:p>
-                  <a:r>
-                    <a:rPr lang="pt-BR">
-                      <a:noFill/>
-                    </a:rPr>
-                    <a:t> </a:t>
-                  </a:r>
-                </a:p>
-              </p:txBody>
-            </p:sp>
-          </mc:Fallback>
-        </mc:AlternateContent>
-        <mc:AlternateContent xmlns:mc="http://schemas.openxmlformats.org/markup-compatibility/2006">
-          <mc:Choice xmlns:a14="http://schemas.microsoft.com/office/drawing/2010/main" Requires="a14">
-            <p:sp>
-              <p:nvSpPr>
-                <p:cNvPr id="69" name="CaixaDeTexto 68">
-                  <a:extLst>
-                    <a:ext uri="{FF2B5EF4-FFF2-40B4-BE49-F238E27FC236}">
-                      <a16:creationId xmlns:a16="http://schemas.microsoft.com/office/drawing/2014/main" id="{5EA70BD5-B0F7-417E-8198-63D4A2F6B2F7}"/>
-                    </a:ext>
-                  </a:extLst>
-                </p:cNvPr>
-                <p:cNvSpPr txBox="1"/>
-                <p:nvPr/>
-              </p:nvSpPr>
-              <p:spPr>
-                <a:xfrm>
-                  <a:off x="4513886" y="1354387"/>
-                  <a:ext cx="713913" cy="584775"/>
-                </a:xfrm>
-                <a:prstGeom prst="rect">
-                  <a:avLst/>
-                </a:prstGeom>
-                <a:noFill/>
-              </p:spPr>
-              <p:txBody>
-                <a:bodyPr wrap="none" rtlCol="0">
-                  <a:spAutoFit/>
-                </a:bodyPr>
-                <a:lstStyle/>
-                <a:p>
-                  <a:pPr/>
-                  <a14:m>
-                    <m:oMathPara xmlns:m="http://schemas.openxmlformats.org/officeDocument/2006/math">
-                      <m:oMathParaPr>
-                        <m:jc m:val="centerGroup"/>
-                      </m:oMathParaPr>
-                      <m:oMath xmlns:m="http://schemas.openxmlformats.org/officeDocument/2006/math">
-                        <m:sSub>
-                          <m:sSubPr>
-                            <m:ctrlPr>
-                              <a:rPr lang="en-US" sz="3200" b="0" i="1" smtClean="0">
-                                <a:latin typeface="Cambria Math" panose="02040503050406030204" pitchFamily="18" charset="0"/>
-                              </a:rPr>
-                            </m:ctrlPr>
-                          </m:sSubPr>
-                          <m:e>
-                            <m:r>
-                              <a:rPr lang="en-US" sz="3200" b="0" i="1" smtClean="0">
-                                <a:latin typeface="Cambria Math" panose="02040503050406030204" pitchFamily="18" charset="0"/>
-                              </a:rPr>
-                              <m:t>𝑍</m:t>
-                            </m:r>
-                          </m:e>
-                          <m:sub>
-                            <m:r>
-                              <a:rPr lang="en-US" sz="3200" b="0" i="1" smtClean="0">
-                                <a:latin typeface="Cambria Math" panose="02040503050406030204" pitchFamily="18" charset="0"/>
-                              </a:rPr>
-                              <m:t>𝑏</m:t>
-                            </m:r>
-                          </m:sub>
-                        </m:sSub>
-                      </m:oMath>
-                    </m:oMathPara>
-                  </a14:m>
-                  <a:endParaRPr lang="pt-BR" dirty="0"/>
-                </a:p>
-              </p:txBody>
-            </p:sp>
-          </mc:Choice>
-          <mc:Fallback>
-            <p:sp>
-              <p:nvSpPr>
-                <p:cNvPr id="69" name="CaixaDeTexto 68">
-                  <a:extLst>
-                    <a:ext uri="{FF2B5EF4-FFF2-40B4-BE49-F238E27FC236}">
-                      <a16:creationId xmlns:a16="http://schemas.microsoft.com/office/drawing/2014/main" id="{5EA70BD5-B0F7-417E-8198-63D4A2F6B2F7}"/>
-                    </a:ext>
-                  </a:extLst>
-                </p:cNvPr>
-                <p:cNvSpPr txBox="1">
-                  <a:spLocks noRot="1" noChangeAspect="1" noMove="1" noResize="1" noEditPoints="1" noAdjustHandles="1" noChangeArrowheads="1" noChangeShapeType="1" noTextEdit="1"/>
-                </p:cNvSpPr>
-                <p:nvPr/>
-              </p:nvSpPr>
-              <p:spPr>
-                <a:xfrm>
-                  <a:off x="4513886" y="1354387"/>
-                  <a:ext cx="713913" cy="584775"/>
-                </a:xfrm>
-                <a:prstGeom prst="rect">
-                  <a:avLst/>
-                </a:prstGeom>
-                <a:blipFill>
-                  <a:blip r:embed="rId7"/>
-                  <a:stretch>
-                    <a:fillRect/>
-                  </a:stretch>
-                </a:blipFill>
-              </p:spPr>
-              <p:txBody>
-                <a:bodyPr/>
-                <a:lstStyle/>
-                <a:p>
-                  <a:r>
-                    <a:rPr lang="pt-BR">
-                      <a:noFill/>
-                    </a:rPr>
-                    <a:t> </a:t>
-                  </a:r>
-                </a:p>
-              </p:txBody>
-            </p:sp>
-          </mc:Fallback>
-        </mc:AlternateContent>
-        <mc:AlternateContent xmlns:mc="http://schemas.openxmlformats.org/markup-compatibility/2006">
-          <mc:Choice xmlns:a14="http://schemas.microsoft.com/office/drawing/2010/main" Requires="a14">
-            <p:sp>
-              <p:nvSpPr>
-                <p:cNvPr id="70" name="CaixaDeTexto 69">
-                  <a:extLst>
-                    <a:ext uri="{FF2B5EF4-FFF2-40B4-BE49-F238E27FC236}">
-                      <a16:creationId xmlns:a16="http://schemas.microsoft.com/office/drawing/2014/main" id="{060A50C5-0035-447A-BC42-0FD4E910D875}"/>
-                    </a:ext>
-                  </a:extLst>
-                </p:cNvPr>
-                <p:cNvSpPr txBox="1"/>
-                <p:nvPr/>
-              </p:nvSpPr>
-              <p:spPr>
-                <a:xfrm>
-                  <a:off x="5251887" y="827578"/>
-                  <a:ext cx="661784" cy="584775"/>
-                </a:xfrm>
-                <a:prstGeom prst="rect">
-                  <a:avLst/>
-                </a:prstGeom>
-                <a:noFill/>
-              </p:spPr>
-              <p:txBody>
-                <a:bodyPr wrap="none" rtlCol="0">
-                  <a:spAutoFit/>
-                </a:bodyPr>
-                <a:lstStyle/>
-                <a:p>
-                  <a:pPr/>
-                  <a14:m>
-                    <m:oMathPara xmlns:m="http://schemas.openxmlformats.org/officeDocument/2006/math">
-                      <m:oMathParaPr>
-                        <m:jc m:val="centerGroup"/>
-                      </m:oMathParaPr>
-                      <m:oMath xmlns:m="http://schemas.openxmlformats.org/officeDocument/2006/math">
-                        <m:sSub>
-                          <m:sSubPr>
-                            <m:ctrlPr>
-                              <a:rPr lang="en-US" sz="3200" b="0" i="1" smtClean="0">
-                                <a:latin typeface="Cambria Math" panose="02040503050406030204" pitchFamily="18" charset="0"/>
-                              </a:rPr>
-                            </m:ctrlPr>
-                          </m:sSubPr>
-                          <m:e>
-                            <m:r>
-                              <a:rPr lang="en-US" sz="3200" b="0" i="1" smtClean="0">
-                                <a:latin typeface="Cambria Math" panose="02040503050406030204" pitchFamily="18" charset="0"/>
-                              </a:rPr>
-                              <m:t>𝑌</m:t>
-                            </m:r>
-                          </m:e>
-                          <m:sub>
-                            <m:r>
-                              <a:rPr lang="en-US" sz="3200" b="0" i="1" smtClean="0">
-                                <a:latin typeface="Cambria Math" panose="02040503050406030204" pitchFamily="18" charset="0"/>
-                              </a:rPr>
-                              <m:t>𝑏</m:t>
-                            </m:r>
-                          </m:sub>
-                        </m:sSub>
-                      </m:oMath>
-                    </m:oMathPara>
-                  </a14:m>
-                  <a:endParaRPr lang="pt-BR" dirty="0"/>
-                </a:p>
-              </p:txBody>
-            </p:sp>
-          </mc:Choice>
-          <mc:Fallback>
-            <p:sp>
-              <p:nvSpPr>
-                <p:cNvPr id="70" name="CaixaDeTexto 69">
-                  <a:extLst>
-                    <a:ext uri="{FF2B5EF4-FFF2-40B4-BE49-F238E27FC236}">
-                      <a16:creationId xmlns:a16="http://schemas.microsoft.com/office/drawing/2014/main" id="{060A50C5-0035-447A-BC42-0FD4E910D875}"/>
-                    </a:ext>
-                  </a:extLst>
-                </p:cNvPr>
-                <p:cNvSpPr txBox="1">
-                  <a:spLocks noRot="1" noChangeAspect="1" noMove="1" noResize="1" noEditPoints="1" noAdjustHandles="1" noChangeArrowheads="1" noChangeShapeType="1" noTextEdit="1"/>
-                </p:cNvSpPr>
-                <p:nvPr/>
-              </p:nvSpPr>
-              <p:spPr>
-                <a:xfrm>
-                  <a:off x="5251887" y="827578"/>
-                  <a:ext cx="661784" cy="584775"/>
-                </a:xfrm>
-                <a:prstGeom prst="rect">
-                  <a:avLst/>
-                </a:prstGeom>
-                <a:blipFill>
-                  <a:blip r:embed="rId8"/>
-                  <a:stretch>
-                    <a:fillRect/>
-                  </a:stretch>
-                </a:blipFill>
-              </p:spPr>
-              <p:txBody>
-                <a:bodyPr/>
-                <a:lstStyle/>
-                <a:p>
-                  <a:r>
-                    <a:rPr lang="pt-BR">
-                      <a:noFill/>
-                    </a:rPr>
-                    <a:t> </a:t>
-                  </a:r>
-                </a:p>
-              </p:txBody>
-            </p:sp>
-          </mc:Fallback>
-        </mc:AlternateContent>
-        <mc:AlternateContent xmlns:mc="http://schemas.openxmlformats.org/markup-compatibility/2006">
-          <mc:Choice xmlns:a14="http://schemas.microsoft.com/office/drawing/2010/main" Requires="a14">
-            <p:sp>
-              <p:nvSpPr>
-                <p:cNvPr id="71" name="CaixaDeTexto 70">
-                  <a:extLst>
-                    <a:ext uri="{FF2B5EF4-FFF2-40B4-BE49-F238E27FC236}">
-                      <a16:creationId xmlns:a16="http://schemas.microsoft.com/office/drawing/2014/main" id="{4AA63416-35A7-498C-9433-CD94F94898E0}"/>
-                    </a:ext>
-                  </a:extLst>
-                </p:cNvPr>
-                <p:cNvSpPr txBox="1"/>
-                <p:nvPr/>
-              </p:nvSpPr>
-              <p:spPr>
-                <a:xfrm rot="20839510">
-                  <a:off x="6149836" y="1133543"/>
-                  <a:ext cx="728726" cy="584775"/>
-                </a:xfrm>
-                <a:prstGeom prst="rect">
-                  <a:avLst/>
-                </a:prstGeom>
-                <a:noFill/>
-              </p:spPr>
-              <p:txBody>
-                <a:bodyPr wrap="none" rtlCol="0">
-                  <a:spAutoFit/>
-                </a:bodyPr>
-                <a:lstStyle/>
-                <a:p>
-                  <a:pPr/>
-                  <a14:m>
-                    <m:oMathPara xmlns:m="http://schemas.openxmlformats.org/officeDocument/2006/math">
-                      <m:oMathParaPr>
-                        <m:jc m:val="centerGroup"/>
-                      </m:oMathParaPr>
-                      <m:oMath xmlns:m="http://schemas.openxmlformats.org/officeDocument/2006/math">
-                        <m:sSub>
-                          <m:sSubPr>
-                            <m:ctrlPr>
-                              <a:rPr lang="en-US" sz="3200" b="0" i="1" smtClean="0">
-                                <a:latin typeface="Cambria Math" panose="02040503050406030204" pitchFamily="18" charset="0"/>
-                              </a:rPr>
-                            </m:ctrlPr>
-                          </m:sSubPr>
-                          <m:e>
-                            <m:r>
-                              <a:rPr lang="en-US" sz="3200" b="0" i="1" smtClean="0">
-                                <a:latin typeface="Cambria Math" panose="02040503050406030204" pitchFamily="18" charset="0"/>
-                              </a:rPr>
-                              <m:t>𝑋</m:t>
-                            </m:r>
-                          </m:e>
-                          <m:sub>
-                            <m:r>
-                              <a:rPr lang="en-US" sz="3200" b="0" i="1" smtClean="0">
-                                <a:latin typeface="Cambria Math" panose="02040503050406030204" pitchFamily="18" charset="0"/>
-                              </a:rPr>
-                              <m:t>𝑏</m:t>
-                            </m:r>
-                          </m:sub>
-                        </m:sSub>
-                      </m:oMath>
-                    </m:oMathPara>
-                  </a14:m>
-                  <a:endParaRPr lang="pt-BR" dirty="0"/>
-                </a:p>
-              </p:txBody>
-            </p:sp>
-          </mc:Choice>
-          <mc:Fallback>
-            <p:sp>
-              <p:nvSpPr>
-                <p:cNvPr id="71" name="CaixaDeTexto 70">
-                  <a:extLst>
-                    <a:ext uri="{FF2B5EF4-FFF2-40B4-BE49-F238E27FC236}">
-                      <a16:creationId xmlns:a16="http://schemas.microsoft.com/office/drawing/2014/main" id="{4AA63416-35A7-498C-9433-CD94F94898E0}"/>
-                    </a:ext>
-                  </a:extLst>
-                </p:cNvPr>
-                <p:cNvSpPr txBox="1">
-                  <a:spLocks noRot="1" noChangeAspect="1" noMove="1" noResize="1" noEditPoints="1" noAdjustHandles="1" noChangeArrowheads="1" noChangeShapeType="1" noTextEdit="1"/>
-                </p:cNvSpPr>
-                <p:nvPr/>
-              </p:nvSpPr>
-              <p:spPr>
-                <a:xfrm rot="20839510">
-                  <a:off x="6149836" y="1133543"/>
-                  <a:ext cx="728726" cy="584775"/>
-                </a:xfrm>
-                <a:prstGeom prst="rect">
-                  <a:avLst/>
-                </a:prstGeom>
-                <a:blipFill>
-                  <a:blip r:embed="rId9"/>
-                  <a:stretch>
-                    <a:fillRect/>
-                  </a:stretch>
-                </a:blipFill>
-              </p:spPr>
-              <p:txBody>
-                <a:bodyPr/>
-                <a:lstStyle/>
-                <a:p>
-                  <a:r>
-                    <a:rPr lang="pt-BR">
-                      <a:noFill/>
-                    </a:rPr>
-                    <a:t> </a:t>
-                  </a:r>
-                </a:p>
-              </p:txBody>
-            </p:sp>
-          </mc:Fallback>
-        </mc:AlternateContent>
       </p:grpSp>
       <p:cxnSp>
         <p:nvCxnSpPr>
           <p:cNvPr id="43" name="Conector de Seta Reta 42">
             <a:extLst>
               <a:ext uri="{FF2B5EF4-FFF2-40B4-BE49-F238E27FC236}">
-                <a16:creationId xmlns:a16="http://schemas.microsoft.com/office/drawing/2014/main" id="{41877588-F888-4194-9688-12AB0B5C0872}"/>
+                <a16:creationId xmlns:a16="http://schemas.microsoft.com/office/drawing/2014/main" xmlns="" id="{41877588-F888-4194-9688-12AB0B5C0872}"/>
               </a:ext>
             </a:extLst>
           </p:cNvPr>
@@ -4932,8 +4460,8 @@
         </p:nvCxnSpPr>
         <p:spPr>
           <a:xfrm flipV="1">
-            <a:off x="4797471" y="1657064"/>
-            <a:ext cx="2809705" cy="84806"/>
+            <a:off x="4756461" y="1831648"/>
+            <a:ext cx="2198272" cy="57499"/>
           </a:xfrm>
           <a:prstGeom prst="straightConnector1">
             <a:avLst/>
@@ -4968,7 +4496,7 @@
               <p:cNvPr id="47" name="CaixaDeTexto 46">
                 <a:extLst>
                   <a:ext uri="{FF2B5EF4-FFF2-40B4-BE49-F238E27FC236}">
-                    <a16:creationId xmlns:a16="http://schemas.microsoft.com/office/drawing/2014/main" id="{492F00B2-8E64-4BF9-BF84-5BDD886C568B}"/>
+                    <a16:creationId xmlns:a16="http://schemas.microsoft.com/office/drawing/2014/main" xmlns="" id="{492F00B2-8E64-4BF9-BF84-5BDD886C568B}"/>
                   </a:ext>
                 </a:extLst>
               </p:cNvPr>
@@ -4977,8 +4505,8 @@
             </p:nvSpPr>
             <p:spPr>
               <a:xfrm>
-                <a:off x="7014274" y="1128884"/>
-                <a:ext cx="419100" cy="584775"/>
+                <a:off x="6517293" y="1925736"/>
+                <a:ext cx="419100" cy="644664"/>
               </a:xfrm>
               <a:prstGeom prst="rect">
                 <a:avLst/>
@@ -4991,18 +4519,31 @@
               </a:bodyPr>
               <a:lstStyle/>
               <a:p>
+                <a:pPr/>
                 <a14:m>
                   <m:oMathPara xmlns:m="http://schemas.openxmlformats.org/officeDocument/2006/math">
                     <m:oMathParaPr>
                       <m:jc m:val="centerGroup"/>
                     </m:oMathParaPr>
                     <m:oMath xmlns:m="http://schemas.openxmlformats.org/officeDocument/2006/math">
-                      <m:r>
-                        <a:rPr lang="en-US" sz="3200" b="0" i="1" smtClean="0">
-                          <a:latin typeface="Cambria Math" panose="02040503050406030204" pitchFamily="18" charset="0"/>
-                        </a:rPr>
-                        <m:t>𝑣</m:t>
-                      </m:r>
+                      <m:acc>
+                        <m:accPr>
+                          <m:chr m:val="⃗"/>
+                          <m:ctrlPr>
+                            <a:rPr lang="en-US" sz="3200" b="0" i="1" smtClean="0">
+                              <a:latin typeface="Cambria Math" panose="02040503050406030204" pitchFamily="18" charset="0"/>
+                            </a:rPr>
+                          </m:ctrlPr>
+                        </m:accPr>
+                        <m:e>
+                          <m:r>
+                            <a:rPr lang="pt-BR" sz="3200" b="0" i="1" smtClean="0">
+                              <a:latin typeface="Cambria Math" panose="02040503050406030204" pitchFamily="18" charset="0"/>
+                            </a:rPr>
+                            <m:t>𝑉</m:t>
+                          </m:r>
+                        </m:e>
+                      </m:acc>
                     </m:oMath>
                   </m:oMathPara>
                 </a14:m>
@@ -5017,7 +4558,7 @@
               <p:cNvPr id="47" name="CaixaDeTexto 46">
                 <a:extLst>
                   <a:ext uri="{FF2B5EF4-FFF2-40B4-BE49-F238E27FC236}">
-                    <a16:creationId xmlns:a16="http://schemas.microsoft.com/office/drawing/2014/main" id="{492F00B2-8E64-4BF9-BF84-5BDD886C568B}"/>
+                    <a16:creationId xmlns:a16="http://schemas.microsoft.com/office/drawing/2014/main" xmlns:a14="http://schemas.microsoft.com/office/drawing/2010/main" xmlns="" id="{492F00B2-8E64-4BF9-BF84-5BDD886C568B}"/>
                   </a:ext>
                 </a:extLst>
               </p:cNvPr>
@@ -5028,13 +4569,789 @@
             </p:nvSpPr>
             <p:spPr>
               <a:xfrm>
-                <a:off x="7014274" y="1128884"/>
-                <a:ext cx="419100" cy="584775"/>
+                <a:off x="6517293" y="1925736"/>
+                <a:ext cx="419100" cy="644664"/>
               </a:xfrm>
               <a:prstGeom prst="rect">
                 <a:avLst/>
               </a:prstGeom>
-              <a:blipFill>
+              <a:blipFill rotWithShape="0">
+                <a:blip r:embed="rId5"/>
+                <a:stretch>
+                  <a:fillRect/>
+                </a:stretch>
+              </a:blipFill>
+            </p:spPr>
+            <p:txBody>
+              <a:bodyPr/>
+              <a:lstStyle/>
+              <a:p>
+                <a:r>
+                  <a:rPr lang="pt-BR">
+                    <a:noFill/>
+                  </a:rPr>
+                  <a:t> </a:t>
+                </a:r>
+              </a:p>
+            </p:txBody>
+          </p:sp>
+        </mc:Fallback>
+      </mc:AlternateContent>
+      <p:cxnSp>
+        <p:nvCxnSpPr>
+          <p:cNvPr id="39" name="Conector de Seta Reta 6">
+            <a:extLst>
+              <a:ext uri="{FF2B5EF4-FFF2-40B4-BE49-F238E27FC236}">
+                <a16:creationId xmlns:a16="http://schemas.microsoft.com/office/drawing/2014/main" xmlns="" id="{278940E6-E10D-4EC0-A97A-9A3BACCB371A}"/>
+              </a:ext>
+            </a:extLst>
+          </p:cNvPr>
+          <p:cNvCxnSpPr>
+            <a:cxnSpLocks/>
+            <a:stCxn id="13" idx="6"/>
+          </p:cNvCxnSpPr>
+          <p:nvPr/>
+        </p:nvCxnSpPr>
+        <p:spPr>
+          <a:xfrm flipV="1">
+            <a:off x="4804909" y="1165885"/>
+            <a:ext cx="3424769" cy="725266"/>
+          </a:xfrm>
+          <a:prstGeom prst="straightConnector1">
+            <a:avLst/>
+          </a:prstGeom>
+          <a:ln w="38100">
+            <a:solidFill>
+              <a:schemeClr val="tx1"/>
+            </a:solidFill>
+            <a:headEnd type="none" w="med" len="med"/>
+            <a:tailEnd type="triangle" w="med" len="med"/>
+          </a:ln>
+        </p:spPr>
+        <p:style>
+          <a:lnRef idx="1">
+            <a:schemeClr val="accent1"/>
+          </a:lnRef>
+          <a:fillRef idx="0">
+            <a:schemeClr val="accent1"/>
+          </a:fillRef>
+          <a:effectRef idx="0">
+            <a:schemeClr val="accent1"/>
+          </a:effectRef>
+          <a:fontRef idx="minor">
+            <a:schemeClr val="tx1"/>
+          </a:fontRef>
+        </p:style>
+      </p:cxnSp>
+      <p:cxnSp>
+        <p:nvCxnSpPr>
+          <p:cNvPr id="40" name="Conector de Seta Reta 8">
+            <a:extLst>
+              <a:ext uri="{FF2B5EF4-FFF2-40B4-BE49-F238E27FC236}">
+                <a16:creationId xmlns:a16="http://schemas.microsoft.com/office/drawing/2014/main" xmlns="" id="{9556DD94-AF17-49A1-AE8A-B54A482AB54B}"/>
+              </a:ext>
+            </a:extLst>
+          </p:cNvPr>
+          <p:cNvCxnSpPr>
+            <a:cxnSpLocks/>
+            <a:stCxn id="13" idx="3"/>
+          </p:cNvCxnSpPr>
+          <p:nvPr/>
+        </p:nvCxnSpPr>
+        <p:spPr>
+          <a:xfrm flipH="1">
+            <a:off x="4081285" y="1939949"/>
+            <a:ext cx="605815" cy="1061548"/>
+          </a:xfrm>
+          <a:prstGeom prst="straightConnector1">
+            <a:avLst/>
+          </a:prstGeom>
+          <a:ln w="38100">
+            <a:solidFill>
+              <a:schemeClr val="tx1"/>
+            </a:solidFill>
+            <a:headEnd type="none" w="med" len="med"/>
+            <a:tailEnd type="triangle" w="med" len="med"/>
+          </a:ln>
+        </p:spPr>
+        <p:style>
+          <a:lnRef idx="1">
+            <a:schemeClr val="accent1"/>
+          </a:lnRef>
+          <a:fillRef idx="0">
+            <a:schemeClr val="accent1"/>
+          </a:fillRef>
+          <a:effectRef idx="0">
+            <a:schemeClr val="accent1"/>
+          </a:effectRef>
+          <a:fontRef idx="minor">
+            <a:schemeClr val="tx1"/>
+          </a:fontRef>
+        </p:style>
+      </p:cxnSp>
+      <p:cxnSp>
+        <p:nvCxnSpPr>
+          <p:cNvPr id="41" name="Conector de Seta Reta 11">
+            <a:extLst>
+              <a:ext uri="{FF2B5EF4-FFF2-40B4-BE49-F238E27FC236}">
+                <a16:creationId xmlns:a16="http://schemas.microsoft.com/office/drawing/2014/main" xmlns="" id="{5EFC456D-919B-4876-B35C-083F6779CAE3}"/>
+              </a:ext>
+            </a:extLst>
+          </p:cNvPr>
+          <p:cNvCxnSpPr>
+            <a:cxnSpLocks/>
+            <a:stCxn id="13" idx="0"/>
+          </p:cNvCxnSpPr>
+          <p:nvPr/>
+        </p:nvCxnSpPr>
+        <p:spPr>
+          <a:xfrm>
+            <a:off x="4735898" y="1822140"/>
+            <a:ext cx="439574" cy="1555665"/>
+          </a:xfrm>
+          <a:prstGeom prst="straightConnector1">
+            <a:avLst/>
+          </a:prstGeom>
+          <a:ln w="38100">
+            <a:solidFill>
+              <a:schemeClr val="tx1"/>
+            </a:solidFill>
+            <a:headEnd type="none" w="med" len="med"/>
+            <a:tailEnd type="triangle" w="med" len="med"/>
+          </a:ln>
+        </p:spPr>
+        <p:style>
+          <a:lnRef idx="1">
+            <a:schemeClr val="accent1"/>
+          </a:lnRef>
+          <a:fillRef idx="0">
+            <a:schemeClr val="accent1"/>
+          </a:fillRef>
+          <a:effectRef idx="0">
+            <a:schemeClr val="accent1"/>
+          </a:effectRef>
+          <a:fontRef idx="minor">
+            <a:schemeClr val="tx1"/>
+          </a:fontRef>
+        </p:style>
+      </p:cxnSp>
+      <mc:AlternateContent xmlns:mc="http://schemas.openxmlformats.org/markup-compatibility/2006">
+        <mc:Choice xmlns:a14="http://schemas.microsoft.com/office/drawing/2010/main" Requires="a14">
+          <p:sp>
+            <p:nvSpPr>
+              <p:cNvPr id="42" name="CaixaDeTexto 41">
+                <a:extLst>
+                  <a:ext uri="{FF2B5EF4-FFF2-40B4-BE49-F238E27FC236}">
+                    <a16:creationId xmlns:a16="http://schemas.microsoft.com/office/drawing/2014/main" xmlns="" id="{FB4343DF-8543-4A4B-8942-21DCCF8F26A6}"/>
+                  </a:ext>
+                </a:extLst>
+              </p:cNvPr>
+              <p:cNvSpPr txBox="1"/>
+              <p:nvPr/>
+            </p:nvSpPr>
+            <p:spPr>
+              <a:xfrm>
+                <a:off x="4997107" y="3260093"/>
+                <a:ext cx="737958" cy="584775"/>
+              </a:xfrm>
+              <a:prstGeom prst="rect">
+                <a:avLst/>
+              </a:prstGeom>
+              <a:noFill/>
+            </p:spPr>
+            <p:txBody>
+              <a:bodyPr wrap="none" rtlCol="0">
+                <a:spAutoFit/>
+              </a:bodyPr>
+              <a:lstStyle/>
+              <a:p>
+                <a:pPr/>
+                <a14:m>
+                  <m:oMathPara xmlns:m="http://schemas.openxmlformats.org/officeDocument/2006/math">
+                    <m:oMathParaPr>
+                      <m:jc m:val="centerGroup"/>
+                    </m:oMathParaPr>
+                    <m:oMath xmlns:m="http://schemas.openxmlformats.org/officeDocument/2006/math">
+                      <m:sSub>
+                        <m:sSubPr>
+                          <m:ctrlPr>
+                            <a:rPr lang="en-US" sz="3200" b="0" i="1" smtClean="0">
+                              <a:latin typeface="Cambria Math" panose="02040503050406030204" pitchFamily="18" charset="0"/>
+                            </a:rPr>
+                          </m:ctrlPr>
+                        </m:sSubPr>
+                        <m:e>
+                          <m:r>
+                            <a:rPr lang="en-US" sz="3200" b="0" i="1" smtClean="0">
+                              <a:latin typeface="Cambria Math" panose="02040503050406030204" pitchFamily="18" charset="0"/>
+                            </a:rPr>
+                            <m:t>𝑍</m:t>
+                          </m:r>
+                        </m:e>
+                        <m:sub>
+                          <m:r>
+                            <a:rPr lang="pt-BR" sz="3200" b="0" i="1" smtClean="0">
+                              <a:latin typeface="Cambria Math" panose="02040503050406030204" pitchFamily="18" charset="0"/>
+                            </a:rPr>
+                            <m:t>𝐵</m:t>
+                          </m:r>
+                        </m:sub>
+                      </m:sSub>
+                    </m:oMath>
+                  </m:oMathPara>
+                </a14:m>
+                <a:endParaRPr lang="pt-BR" dirty="0"/>
+              </a:p>
+            </p:txBody>
+          </p:sp>
+        </mc:Choice>
+        <mc:Fallback>
+          <p:sp>
+            <p:nvSpPr>
+              <p:cNvPr id="42" name="CaixaDeTexto 41">
+                <a:extLst>
+                  <a:ext uri="{FF2B5EF4-FFF2-40B4-BE49-F238E27FC236}">
+                    <a16:creationId xmlns:a16="http://schemas.microsoft.com/office/drawing/2014/main" xmlns:a14="http://schemas.microsoft.com/office/drawing/2010/main" xmlns="" id="{FB4343DF-8543-4A4B-8942-21DCCF8F26A6}"/>
+                  </a:ext>
+                </a:extLst>
+              </p:cNvPr>
+              <p:cNvSpPr txBox="1">
+                <a:spLocks noRot="1" noChangeAspect="1" noMove="1" noResize="1" noEditPoints="1" noAdjustHandles="1" noChangeArrowheads="1" noChangeShapeType="1" noTextEdit="1"/>
+              </p:cNvSpPr>
+              <p:nvPr/>
+            </p:nvSpPr>
+            <p:spPr>
+              <a:xfrm>
+                <a:off x="4997107" y="3260093"/>
+                <a:ext cx="737958" cy="584775"/>
+              </a:xfrm>
+              <a:prstGeom prst="rect">
+                <a:avLst/>
+              </a:prstGeom>
+              <a:blipFill rotWithShape="0">
+                <a:blip r:embed="rId6"/>
+                <a:stretch>
+                  <a:fillRect/>
+                </a:stretch>
+              </a:blipFill>
+            </p:spPr>
+            <p:txBody>
+              <a:bodyPr/>
+              <a:lstStyle/>
+              <a:p>
+                <a:r>
+                  <a:rPr lang="pt-BR">
+                    <a:noFill/>
+                  </a:rPr>
+                  <a:t> </a:t>
+                </a:r>
+              </a:p>
+            </p:txBody>
+          </p:sp>
+        </mc:Fallback>
+      </mc:AlternateContent>
+      <mc:AlternateContent xmlns:mc="http://schemas.openxmlformats.org/markup-compatibility/2006">
+        <mc:Choice xmlns:a14="http://schemas.microsoft.com/office/drawing/2010/main" Requires="a14">
+          <p:sp>
+            <p:nvSpPr>
+              <p:cNvPr id="44" name="CaixaDeTexto 43">
+                <a:extLst>
+                  <a:ext uri="{FF2B5EF4-FFF2-40B4-BE49-F238E27FC236}">
+                    <a16:creationId xmlns:a16="http://schemas.microsoft.com/office/drawing/2014/main" xmlns="" id="{FD2CB419-DBB0-472A-AA41-50D90C5B6BC8}"/>
+                  </a:ext>
+                </a:extLst>
+              </p:cNvPr>
+              <p:cNvSpPr txBox="1"/>
+              <p:nvPr/>
+            </p:nvSpPr>
+            <p:spPr>
+              <a:xfrm>
+                <a:off x="8126787" y="700020"/>
+                <a:ext cx="752770" cy="584775"/>
+              </a:xfrm>
+              <a:prstGeom prst="rect">
+                <a:avLst/>
+              </a:prstGeom>
+              <a:noFill/>
+            </p:spPr>
+            <p:txBody>
+              <a:bodyPr wrap="none" rtlCol="0">
+                <a:spAutoFit/>
+              </a:bodyPr>
+              <a:lstStyle/>
+              <a:p>
+                <a:pPr/>
+                <a14:m>
+                  <m:oMathPara xmlns:m="http://schemas.openxmlformats.org/officeDocument/2006/math">
+                    <m:oMathParaPr>
+                      <m:jc m:val="centerGroup"/>
+                    </m:oMathParaPr>
+                    <m:oMath xmlns:m="http://schemas.openxmlformats.org/officeDocument/2006/math">
+                      <m:sSub>
+                        <m:sSubPr>
+                          <m:ctrlPr>
+                            <a:rPr lang="en-US" sz="3200" b="0" i="1" smtClean="0">
+                              <a:latin typeface="Cambria Math" panose="02040503050406030204" pitchFamily="18" charset="0"/>
+                            </a:rPr>
+                          </m:ctrlPr>
+                        </m:sSubPr>
+                        <m:e>
+                          <m:r>
+                            <a:rPr lang="en-US" sz="3200" b="0" i="1" smtClean="0">
+                              <a:latin typeface="Cambria Math" panose="02040503050406030204" pitchFamily="18" charset="0"/>
+                            </a:rPr>
+                            <m:t>𝑋</m:t>
+                          </m:r>
+                        </m:e>
+                        <m:sub>
+                          <m:r>
+                            <a:rPr lang="pt-BR" sz="3200" b="0" i="1" smtClean="0">
+                              <a:latin typeface="Cambria Math" panose="02040503050406030204" pitchFamily="18" charset="0"/>
+                            </a:rPr>
+                            <m:t>𝐵</m:t>
+                          </m:r>
+                        </m:sub>
+                      </m:sSub>
+                    </m:oMath>
+                  </m:oMathPara>
+                </a14:m>
+                <a:endParaRPr lang="pt-BR" dirty="0"/>
+              </a:p>
+            </p:txBody>
+          </p:sp>
+        </mc:Choice>
+        <mc:Fallback>
+          <p:sp>
+            <p:nvSpPr>
+              <p:cNvPr id="44" name="CaixaDeTexto 43">
+                <a:extLst>
+                  <a:ext uri="{FF2B5EF4-FFF2-40B4-BE49-F238E27FC236}">
+                    <a16:creationId xmlns:a16="http://schemas.microsoft.com/office/drawing/2014/main" xmlns:a14="http://schemas.microsoft.com/office/drawing/2010/main" xmlns="" id="{FD2CB419-DBB0-472A-AA41-50D90C5B6BC8}"/>
+                  </a:ext>
+                </a:extLst>
+              </p:cNvPr>
+              <p:cNvSpPr txBox="1">
+                <a:spLocks noRot="1" noChangeAspect="1" noMove="1" noResize="1" noEditPoints="1" noAdjustHandles="1" noChangeArrowheads="1" noChangeShapeType="1" noTextEdit="1"/>
+              </p:cNvSpPr>
+              <p:nvPr/>
+            </p:nvSpPr>
+            <p:spPr>
+              <a:xfrm>
+                <a:off x="8126787" y="700020"/>
+                <a:ext cx="752770" cy="584775"/>
+              </a:xfrm>
+              <a:prstGeom prst="rect">
+                <a:avLst/>
+              </a:prstGeom>
+              <a:blipFill rotWithShape="0">
+                <a:blip r:embed="rId7"/>
+                <a:stretch>
+                  <a:fillRect/>
+                </a:stretch>
+              </a:blipFill>
+            </p:spPr>
+            <p:txBody>
+              <a:bodyPr/>
+              <a:lstStyle/>
+              <a:p>
+                <a:r>
+                  <a:rPr lang="pt-BR">
+                    <a:noFill/>
+                  </a:rPr>
+                  <a:t> </a:t>
+                </a:r>
+              </a:p>
+            </p:txBody>
+          </p:sp>
+        </mc:Fallback>
+      </mc:AlternateContent>
+      <mc:AlternateContent xmlns:mc="http://schemas.openxmlformats.org/markup-compatibility/2006">
+        <mc:Choice xmlns:a14="http://schemas.microsoft.com/office/drawing/2010/main" Requires="a14">
+          <p:sp>
+            <p:nvSpPr>
+              <p:cNvPr id="45" name="CaixaDeTexto 44">
+                <a:extLst>
+                  <a:ext uri="{FF2B5EF4-FFF2-40B4-BE49-F238E27FC236}">
+                    <a16:creationId xmlns:a16="http://schemas.microsoft.com/office/drawing/2014/main" xmlns="" id="{8CC7CE44-9C8C-4D71-B0FE-752CC57E1074}"/>
+                  </a:ext>
+                </a:extLst>
+              </p:cNvPr>
+              <p:cNvSpPr txBox="1"/>
+              <p:nvPr/>
+            </p:nvSpPr>
+            <p:spPr>
+              <a:xfrm>
+                <a:off x="3957495" y="2888360"/>
+                <a:ext cx="685829" cy="584775"/>
+              </a:xfrm>
+              <a:prstGeom prst="rect">
+                <a:avLst/>
+              </a:prstGeom>
+              <a:noFill/>
+            </p:spPr>
+            <p:txBody>
+              <a:bodyPr wrap="none" rtlCol="0">
+                <a:spAutoFit/>
+              </a:bodyPr>
+              <a:lstStyle/>
+              <a:p>
+                <a:pPr/>
+                <a14:m>
+                  <m:oMathPara xmlns:m="http://schemas.openxmlformats.org/officeDocument/2006/math">
+                    <m:oMathParaPr>
+                      <m:jc m:val="centerGroup"/>
+                    </m:oMathParaPr>
+                    <m:oMath xmlns:m="http://schemas.openxmlformats.org/officeDocument/2006/math">
+                      <m:sSub>
+                        <m:sSubPr>
+                          <m:ctrlPr>
+                            <a:rPr lang="en-US" sz="3200" b="0" i="1" smtClean="0">
+                              <a:latin typeface="Cambria Math" panose="02040503050406030204" pitchFamily="18" charset="0"/>
+                            </a:rPr>
+                          </m:ctrlPr>
+                        </m:sSubPr>
+                        <m:e>
+                          <m:r>
+                            <a:rPr lang="en-US" sz="3200" b="0" i="1" smtClean="0">
+                              <a:latin typeface="Cambria Math" panose="02040503050406030204" pitchFamily="18" charset="0"/>
+                            </a:rPr>
+                            <m:t>𝑌</m:t>
+                          </m:r>
+                        </m:e>
+                        <m:sub>
+                          <m:r>
+                            <a:rPr lang="pt-BR" sz="3200" b="0" i="1" smtClean="0">
+                              <a:latin typeface="Cambria Math" panose="02040503050406030204" pitchFamily="18" charset="0"/>
+                            </a:rPr>
+                            <m:t>𝐵</m:t>
+                          </m:r>
+                        </m:sub>
+                      </m:sSub>
+                    </m:oMath>
+                  </m:oMathPara>
+                </a14:m>
+                <a:endParaRPr lang="pt-BR" dirty="0"/>
+              </a:p>
+            </p:txBody>
+          </p:sp>
+        </mc:Choice>
+        <mc:Fallback>
+          <p:sp>
+            <p:nvSpPr>
+              <p:cNvPr id="45" name="CaixaDeTexto 44">
+                <a:extLst>
+                  <a:ext uri="{FF2B5EF4-FFF2-40B4-BE49-F238E27FC236}">
+                    <a16:creationId xmlns:a16="http://schemas.microsoft.com/office/drawing/2014/main" xmlns:a14="http://schemas.microsoft.com/office/drawing/2010/main" xmlns="" id="{8CC7CE44-9C8C-4D71-B0FE-752CC57E1074}"/>
+                  </a:ext>
+                </a:extLst>
+              </p:cNvPr>
+              <p:cNvSpPr txBox="1">
+                <a:spLocks noRot="1" noChangeAspect="1" noMove="1" noResize="1" noEditPoints="1" noAdjustHandles="1" noChangeArrowheads="1" noChangeShapeType="1" noTextEdit="1"/>
+              </p:cNvSpPr>
+              <p:nvPr/>
+            </p:nvSpPr>
+            <p:spPr>
+              <a:xfrm>
+                <a:off x="3957495" y="2888360"/>
+                <a:ext cx="685829" cy="584775"/>
+              </a:xfrm>
+              <a:prstGeom prst="rect">
+                <a:avLst/>
+              </a:prstGeom>
+              <a:blipFill rotWithShape="0">
+                <a:blip r:embed="rId8"/>
+                <a:stretch>
+                  <a:fillRect/>
+                </a:stretch>
+              </a:blipFill>
+            </p:spPr>
+            <p:txBody>
+              <a:bodyPr/>
+              <a:lstStyle/>
+              <a:p>
+                <a:r>
+                  <a:rPr lang="pt-BR">
+                    <a:noFill/>
+                  </a:rPr>
+                  <a:t> </a:t>
+                </a:r>
+              </a:p>
+            </p:txBody>
+          </p:sp>
+        </mc:Fallback>
+      </mc:AlternateContent>
+      <p:sp>
+        <p:nvSpPr>
+          <p:cNvPr id="13" name="Fluxograma: Conector 12"/>
+          <p:cNvSpPr/>
+          <p:nvPr/>
+        </p:nvSpPr>
+        <p:spPr>
+          <a:xfrm>
+            <a:off x="4666887" y="1822140"/>
+            <a:ext cx="138022" cy="138022"/>
+          </a:xfrm>
+          <a:prstGeom prst="flowChartConnector">
+            <a:avLst/>
+          </a:prstGeom>
+          <a:ln w="28575">
+            <a:solidFill>
+              <a:schemeClr val="tx1"/>
+            </a:solidFill>
+          </a:ln>
+        </p:spPr>
+        <p:style>
+          <a:lnRef idx="2">
+            <a:schemeClr val="accent1">
+              <a:shade val="50000"/>
+            </a:schemeClr>
+          </a:lnRef>
+          <a:fillRef idx="1">
+            <a:schemeClr val="accent1"/>
+          </a:fillRef>
+          <a:effectRef idx="0">
+            <a:schemeClr val="accent1"/>
+          </a:effectRef>
+          <a:fontRef idx="minor">
+            <a:schemeClr val="lt1"/>
+          </a:fontRef>
+        </p:style>
+        <p:txBody>
+          <a:bodyPr rtlCol="0" anchor="ctr"/>
+          <a:lstStyle/>
+          <a:p>
+            <a:pPr algn="ctr"/>
+            <a:endParaRPr lang="pt-BR"/>
+          </a:p>
+        </p:txBody>
+      </p:sp>
+      <mc:AlternateContent xmlns:mc="http://schemas.openxmlformats.org/markup-compatibility/2006">
+        <mc:Choice xmlns:a14="http://schemas.microsoft.com/office/drawing/2010/main" Requires="a14">
+          <p:sp>
+            <p:nvSpPr>
+              <p:cNvPr id="90" name="CaixaDeTexto 89">
+                <a:extLst>
+                  <a:ext uri="{FF2B5EF4-FFF2-40B4-BE49-F238E27FC236}">
+                    <a16:creationId xmlns:a16="http://schemas.microsoft.com/office/drawing/2014/main" xmlns="" id="{FD2CB419-DBB0-472A-AA41-50D90C5B6BC8}"/>
+                  </a:ext>
+                </a:extLst>
+              </p:cNvPr>
+              <p:cNvSpPr txBox="1"/>
+              <p:nvPr/>
+            </p:nvSpPr>
+            <p:spPr>
+              <a:xfrm>
+                <a:off x="8510852" y="1511725"/>
+                <a:ext cx="834908" cy="584775"/>
+              </a:xfrm>
+              <a:prstGeom prst="rect">
+                <a:avLst/>
+              </a:prstGeom>
+              <a:noFill/>
+            </p:spPr>
+            <p:txBody>
+              <a:bodyPr wrap="none" rtlCol="0">
+                <a:spAutoFit/>
+              </a:bodyPr>
+              <a:lstStyle/>
+              <a:p>
+                <a:pPr/>
+                <a14:m>
+                  <m:oMathPara xmlns:m="http://schemas.openxmlformats.org/officeDocument/2006/math">
+                    <m:oMathParaPr>
+                      <m:jc m:val="centerGroup"/>
+                    </m:oMathParaPr>
+                    <m:oMath xmlns:m="http://schemas.openxmlformats.org/officeDocument/2006/math">
+                      <m:sSub>
+                        <m:sSubPr>
+                          <m:ctrlPr>
+                            <a:rPr lang="en-US" sz="3200" b="0" i="1" smtClean="0">
+                              <a:solidFill>
+                                <a:srgbClr val="FF0000"/>
+                              </a:solidFill>
+                              <a:latin typeface="Cambria Math" panose="02040503050406030204" pitchFamily="18" charset="0"/>
+                            </a:rPr>
+                          </m:ctrlPr>
+                        </m:sSubPr>
+                        <m:e>
+                          <m:r>
+                            <a:rPr lang="en-US" sz="3200" b="0" i="1" smtClean="0">
+                              <a:solidFill>
+                                <a:srgbClr val="FF0000"/>
+                              </a:solidFill>
+                              <a:latin typeface="Cambria Math" panose="02040503050406030204" pitchFamily="18" charset="0"/>
+                            </a:rPr>
+                            <m:t>𝑋</m:t>
+                          </m:r>
+                        </m:e>
+                        <m:sub>
+                          <m:r>
+                            <a:rPr lang="pt-BR" sz="3200" b="0" i="1" smtClean="0">
+                              <a:solidFill>
+                                <a:srgbClr val="FF0000"/>
+                              </a:solidFill>
+                              <a:latin typeface="Cambria Math" panose="02040503050406030204" pitchFamily="18" charset="0"/>
+                            </a:rPr>
+                            <m:t>𝑊</m:t>
+                          </m:r>
+                        </m:sub>
+                      </m:sSub>
+                    </m:oMath>
+                  </m:oMathPara>
+                </a14:m>
+                <a:endParaRPr lang="pt-BR" dirty="0"/>
+              </a:p>
+            </p:txBody>
+          </p:sp>
+        </mc:Choice>
+        <mc:Fallback>
+          <p:sp>
+            <p:nvSpPr>
+              <p:cNvPr id="90" name="CaixaDeTexto 89">
+                <a:extLst>
+                  <a:ext uri="{FF2B5EF4-FFF2-40B4-BE49-F238E27FC236}">
+                    <a16:creationId xmlns:a16="http://schemas.microsoft.com/office/drawing/2014/main" xmlns:a14="http://schemas.microsoft.com/office/drawing/2010/main" xmlns="" id="{FD2CB419-DBB0-472A-AA41-50D90C5B6BC8}"/>
+                  </a:ext>
+                </a:extLst>
+              </p:cNvPr>
+              <p:cNvSpPr txBox="1">
+                <a:spLocks noRot="1" noChangeAspect="1" noMove="1" noResize="1" noEditPoints="1" noAdjustHandles="1" noChangeArrowheads="1" noChangeShapeType="1" noTextEdit="1"/>
+              </p:cNvSpPr>
+              <p:nvPr/>
+            </p:nvSpPr>
+            <p:spPr>
+              <a:xfrm>
+                <a:off x="8510852" y="1511725"/>
+                <a:ext cx="834908" cy="584775"/>
+              </a:xfrm>
+              <a:prstGeom prst="rect">
+                <a:avLst/>
+              </a:prstGeom>
+              <a:blipFill rotWithShape="0">
+                <a:blip r:embed="rId9"/>
+                <a:stretch>
+                  <a:fillRect/>
+                </a:stretch>
+              </a:blipFill>
+            </p:spPr>
+            <p:txBody>
+              <a:bodyPr/>
+              <a:lstStyle/>
+              <a:p>
+                <a:r>
+                  <a:rPr lang="pt-BR">
+                    <a:noFill/>
+                  </a:rPr>
+                  <a:t> </a:t>
+                </a:r>
+              </a:p>
+            </p:txBody>
+          </p:sp>
+        </mc:Fallback>
+      </mc:AlternateContent>
+      <mc:AlternateContent xmlns:mc="http://schemas.openxmlformats.org/markup-compatibility/2006">
+        <mc:Choice xmlns:a14="http://schemas.microsoft.com/office/drawing/2010/main" Requires="a14">
+          <p:sp>
+            <p:nvSpPr>
+              <p:cNvPr id="91" name="CaixaDeTexto 90">
+                <a:extLst>
+                  <a:ext uri="{FF2B5EF4-FFF2-40B4-BE49-F238E27FC236}">
+                    <a16:creationId xmlns:a16="http://schemas.microsoft.com/office/drawing/2014/main" xmlns="" id="{FD2CB419-DBB0-472A-AA41-50D90C5B6BC8}"/>
+                  </a:ext>
+                </a:extLst>
+              </p:cNvPr>
+              <p:cNvSpPr txBox="1"/>
+              <p:nvPr/>
+            </p:nvSpPr>
+            <p:spPr>
+              <a:xfrm>
+                <a:off x="4387455" y="2840193"/>
+                <a:ext cx="834908" cy="584775"/>
+              </a:xfrm>
+              <a:prstGeom prst="rect">
+                <a:avLst/>
+              </a:prstGeom>
+              <a:noFill/>
+            </p:spPr>
+            <p:txBody>
+              <a:bodyPr wrap="none" rtlCol="0">
+                <a:spAutoFit/>
+              </a:bodyPr>
+              <a:lstStyle/>
+              <a:p>
+                <a:pPr/>
+                <a14:m>
+                  <m:oMathPara xmlns:m="http://schemas.openxmlformats.org/officeDocument/2006/math">
+                    <m:oMathParaPr>
+                      <m:jc m:val="centerGroup"/>
+                    </m:oMathParaPr>
+                    <m:oMath xmlns:m="http://schemas.openxmlformats.org/officeDocument/2006/math">
+                      <m:sSub>
+                        <m:sSubPr>
+                          <m:ctrlPr>
+                            <a:rPr lang="en-US" sz="3200" b="0" i="1" smtClean="0">
+                              <a:solidFill>
+                                <a:srgbClr val="FF0000"/>
+                              </a:solidFill>
+                              <a:latin typeface="Cambria Math" panose="02040503050406030204" pitchFamily="18" charset="0"/>
+                            </a:rPr>
+                          </m:ctrlPr>
+                        </m:sSubPr>
+                        <m:e>
+                          <m:r>
+                            <a:rPr lang="pt-BR" sz="3200" b="0" i="1" smtClean="0">
+                              <a:solidFill>
+                                <a:srgbClr val="FF0000"/>
+                              </a:solidFill>
+                              <a:latin typeface="Cambria Math" panose="02040503050406030204" pitchFamily="18" charset="0"/>
+                            </a:rPr>
+                            <m:t>𝑍</m:t>
+                          </m:r>
+                        </m:e>
+                        <m:sub>
+                          <m:r>
+                            <a:rPr lang="pt-BR" sz="3200" b="0" i="1" smtClean="0">
+                              <a:solidFill>
+                                <a:srgbClr val="FF0000"/>
+                              </a:solidFill>
+                              <a:latin typeface="Cambria Math" panose="02040503050406030204" pitchFamily="18" charset="0"/>
+                            </a:rPr>
+                            <m:t>𝑊</m:t>
+                          </m:r>
+                        </m:sub>
+                      </m:sSub>
+                    </m:oMath>
+                  </m:oMathPara>
+                </a14:m>
+                <a:endParaRPr lang="pt-BR" dirty="0"/>
+              </a:p>
+            </p:txBody>
+          </p:sp>
+        </mc:Choice>
+        <mc:Fallback>
+          <p:sp>
+            <p:nvSpPr>
+              <p:cNvPr id="91" name="CaixaDeTexto 90">
+                <a:extLst>
+                  <a:ext uri="{FF2B5EF4-FFF2-40B4-BE49-F238E27FC236}">
+                    <a16:creationId xmlns:a16="http://schemas.microsoft.com/office/drawing/2014/main" xmlns:a14="http://schemas.microsoft.com/office/drawing/2010/main" xmlns="" id="{FD2CB419-DBB0-472A-AA41-50D90C5B6BC8}"/>
+                  </a:ext>
+                </a:extLst>
+              </p:cNvPr>
+              <p:cNvSpPr txBox="1">
+                <a:spLocks noRot="1" noChangeAspect="1" noMove="1" noResize="1" noEditPoints="1" noAdjustHandles="1" noChangeArrowheads="1" noChangeShapeType="1" noTextEdit="1"/>
+              </p:cNvSpPr>
+              <p:nvPr/>
+            </p:nvSpPr>
+            <p:spPr>
+              <a:xfrm>
+                <a:off x="4387455" y="2840193"/>
+                <a:ext cx="834908" cy="584775"/>
+              </a:xfrm>
+              <a:prstGeom prst="rect">
+                <a:avLst/>
+              </a:prstGeom>
+              <a:blipFill rotWithShape="0">
                 <a:blip r:embed="rId10"/>
                 <a:stretch>
                   <a:fillRect/>
@@ -5056,619 +5373,130 @@
           </p:sp>
         </mc:Fallback>
       </mc:AlternateContent>
-      <p:grpSp>
-        <p:nvGrpSpPr>
-          <p:cNvPr id="78" name="Agrupar 77">
-            <a:extLst>
-              <a:ext uri="{FF2B5EF4-FFF2-40B4-BE49-F238E27FC236}">
-                <a16:creationId xmlns:a16="http://schemas.microsoft.com/office/drawing/2014/main" id="{7436EFC0-0E84-4BAE-A9A3-F5E766C8147E}"/>
-              </a:ext>
-            </a:extLst>
-          </p:cNvPr>
-          <p:cNvGrpSpPr/>
-          <p:nvPr/>
-        </p:nvGrpSpPr>
-        <p:grpSpPr>
-          <a:xfrm rot="1392348">
-            <a:off x="6890559" y="401823"/>
-            <a:ext cx="2430014" cy="1901793"/>
-            <a:chOff x="4481217" y="827577"/>
-            <a:chExt cx="2430014" cy="1901793"/>
-          </a:xfrm>
-        </p:grpSpPr>
-        <p:cxnSp>
-          <p:nvCxnSpPr>
-            <p:cNvPr id="79" name="Conector de Seta Reta 78">
-              <a:extLst>
-                <a:ext uri="{FF2B5EF4-FFF2-40B4-BE49-F238E27FC236}">
-                  <a16:creationId xmlns:a16="http://schemas.microsoft.com/office/drawing/2014/main" id="{0D53AF60-3700-4DE3-9B08-8E61D000773C}"/>
-                </a:ext>
-              </a:extLst>
-            </p:cNvPr>
-            <p:cNvCxnSpPr>
-              <a:cxnSpLocks/>
-            </p:cNvCxnSpPr>
-            <p:nvPr/>
-          </p:nvCxnSpPr>
-          <p:spPr>
-            <a:xfrm flipV="1">
-              <a:off x="5431801" y="1145799"/>
-              <a:ext cx="414441" cy="1092802"/>
-            </a:xfrm>
-            <a:prstGeom prst="straightConnector1">
-              <a:avLst/>
-            </a:prstGeom>
-            <a:ln w="38100">
-              <a:solidFill>
-                <a:schemeClr val="tx1"/>
-              </a:solidFill>
-              <a:tailEnd type="triangle"/>
-            </a:ln>
-          </p:spPr>
-          <p:style>
-            <a:lnRef idx="1">
-              <a:schemeClr val="accent1"/>
-            </a:lnRef>
-            <a:fillRef idx="0">
-              <a:schemeClr val="accent1"/>
-            </a:fillRef>
-            <a:effectRef idx="0">
-              <a:schemeClr val="accent1"/>
-            </a:effectRef>
-            <a:fontRef idx="minor">
-              <a:schemeClr val="tx1"/>
-            </a:fontRef>
-          </p:style>
-        </p:cxnSp>
-        <p:cxnSp>
-          <p:nvCxnSpPr>
-            <p:cNvPr id="80" name="Conector de Seta Reta 79">
-              <a:extLst>
-                <a:ext uri="{FF2B5EF4-FFF2-40B4-BE49-F238E27FC236}">
-                  <a16:creationId xmlns:a16="http://schemas.microsoft.com/office/drawing/2014/main" id="{3FADBCE7-1F86-49F5-9722-57AD378A9E0C}"/>
-                </a:ext>
-              </a:extLst>
-            </p:cNvPr>
-            <p:cNvCxnSpPr>
-              <a:cxnSpLocks/>
-            </p:cNvCxnSpPr>
-            <p:nvPr/>
-          </p:nvCxnSpPr>
-          <p:spPr>
-            <a:xfrm flipH="1" flipV="1">
-              <a:off x="4978454" y="1422082"/>
-              <a:ext cx="463408" cy="820504"/>
-            </a:xfrm>
-            <a:prstGeom prst="straightConnector1">
-              <a:avLst/>
-            </a:prstGeom>
-            <a:ln w="38100">
-              <a:solidFill>
-                <a:schemeClr val="tx1"/>
-              </a:solidFill>
-              <a:tailEnd type="triangle"/>
-            </a:ln>
-          </p:spPr>
-          <p:style>
-            <a:lnRef idx="1">
-              <a:schemeClr val="accent1"/>
-            </a:lnRef>
-            <a:fillRef idx="0">
-              <a:schemeClr val="accent1"/>
-            </a:fillRef>
-            <a:effectRef idx="0">
-              <a:schemeClr val="accent1"/>
-            </a:effectRef>
-            <a:fontRef idx="minor">
-              <a:schemeClr val="tx1"/>
-            </a:fontRef>
-          </p:style>
-        </p:cxnSp>
-        <p:cxnSp>
-          <p:nvCxnSpPr>
-            <p:cNvPr id="81" name="Conector de Seta Reta 80">
-              <a:extLst>
-                <a:ext uri="{FF2B5EF4-FFF2-40B4-BE49-F238E27FC236}">
-                  <a16:creationId xmlns:a16="http://schemas.microsoft.com/office/drawing/2014/main" id="{6420AE2B-5A8A-4EF8-98A4-0234829F9230}"/>
-                </a:ext>
-              </a:extLst>
-            </p:cNvPr>
-            <p:cNvCxnSpPr>
-              <a:cxnSpLocks/>
-            </p:cNvCxnSpPr>
-            <p:nvPr/>
-          </p:nvCxnSpPr>
-          <p:spPr>
-            <a:xfrm flipV="1">
-              <a:off x="5431801" y="1676668"/>
-              <a:ext cx="1224952" cy="561931"/>
-            </a:xfrm>
-            <a:prstGeom prst="straightConnector1">
-              <a:avLst/>
-            </a:prstGeom>
-            <a:ln w="38100">
-              <a:solidFill>
-                <a:schemeClr val="tx1"/>
-              </a:solidFill>
-              <a:tailEnd type="triangle"/>
-            </a:ln>
-          </p:spPr>
-          <p:style>
-            <a:lnRef idx="1">
-              <a:schemeClr val="accent1"/>
-            </a:lnRef>
-            <a:fillRef idx="0">
-              <a:schemeClr val="accent1"/>
-            </a:fillRef>
-            <a:effectRef idx="0">
-              <a:schemeClr val="accent1"/>
-            </a:effectRef>
-            <a:fontRef idx="minor">
-              <a:schemeClr val="tx1"/>
-            </a:fontRef>
-          </p:style>
-        </p:cxnSp>
-        <mc:AlternateContent xmlns:mc="http://schemas.openxmlformats.org/markup-compatibility/2006">
-          <mc:Choice xmlns:a14="http://schemas.microsoft.com/office/drawing/2010/main" Requires="a14">
-            <p:sp>
-              <p:nvSpPr>
-                <p:cNvPr id="82" name="CaixaDeTexto 81">
-                  <a:extLst>
-                    <a:ext uri="{FF2B5EF4-FFF2-40B4-BE49-F238E27FC236}">
-                      <a16:creationId xmlns:a16="http://schemas.microsoft.com/office/drawing/2014/main" id="{3D062ED1-31A0-49E9-A5DF-8D7CE27FE1F2}"/>
-                    </a:ext>
-                  </a:extLst>
-                </p:cNvPr>
-                <p:cNvSpPr txBox="1"/>
-                <p:nvPr/>
-              </p:nvSpPr>
-              <p:spPr>
-                <a:xfrm rot="20839510">
-                  <a:off x="5302607" y="2144595"/>
-                  <a:ext cx="371346" cy="584775"/>
-                </a:xfrm>
-                <a:prstGeom prst="rect">
-                  <a:avLst/>
-                </a:prstGeom>
-                <a:noFill/>
-              </p:spPr>
-              <p:txBody>
-                <a:bodyPr wrap="square" rtlCol="0">
-                  <a:spAutoFit/>
-                </a:bodyPr>
-                <a:lstStyle/>
-                <a:p>
-                  <a:pPr/>
-                  <a14:m>
-                    <m:oMathPara xmlns:m="http://schemas.openxmlformats.org/officeDocument/2006/math">
-                      <m:oMathParaPr>
-                        <m:jc m:val="centerGroup"/>
-                      </m:oMathParaPr>
-                      <m:oMath xmlns:m="http://schemas.openxmlformats.org/officeDocument/2006/math">
-                        <m:sSub>
-                          <m:sSubPr>
-                            <m:ctrlPr>
-                              <a:rPr lang="en-US" sz="3200" b="0" i="1" smtClean="0">
-                                <a:latin typeface="Cambria Math" panose="02040503050406030204" pitchFamily="18" charset="0"/>
-                              </a:rPr>
-                            </m:ctrlPr>
-                          </m:sSubPr>
-                          <m:e>
-                            <m:r>
-                              <a:rPr lang="en-US" sz="3200" b="0" i="1" smtClean="0">
-                                <a:latin typeface="Cambria Math" panose="02040503050406030204" pitchFamily="18" charset="0"/>
-                              </a:rPr>
-                              <m:t>𝑂</m:t>
-                            </m:r>
-                          </m:e>
-                          <m:sub>
-                            <m:r>
-                              <a:rPr lang="en-US" sz="3200" b="0" i="1" smtClean="0">
-                                <a:latin typeface="Cambria Math" panose="02040503050406030204" pitchFamily="18" charset="0"/>
-                              </a:rPr>
-                              <m:t>𝑤</m:t>
-                            </m:r>
-                          </m:sub>
-                        </m:sSub>
-                      </m:oMath>
-                    </m:oMathPara>
-                  </a14:m>
-                  <a:endParaRPr lang="pt-BR" dirty="0"/>
-                </a:p>
-              </p:txBody>
-            </p:sp>
-          </mc:Choice>
-          <mc:Fallback>
-            <p:sp>
-              <p:nvSpPr>
-                <p:cNvPr id="82" name="CaixaDeTexto 81">
-                  <a:extLst>
-                    <a:ext uri="{FF2B5EF4-FFF2-40B4-BE49-F238E27FC236}">
-                      <a16:creationId xmlns:a16="http://schemas.microsoft.com/office/drawing/2014/main" id="{3D062ED1-31A0-49E9-A5DF-8D7CE27FE1F2}"/>
-                    </a:ext>
-                  </a:extLst>
-                </p:cNvPr>
-                <p:cNvSpPr txBox="1">
-                  <a:spLocks noRot="1" noChangeAspect="1" noMove="1" noResize="1" noEditPoints="1" noAdjustHandles="1" noChangeArrowheads="1" noChangeShapeType="1" noTextEdit="1"/>
-                </p:cNvSpPr>
-                <p:nvPr/>
-              </p:nvSpPr>
-              <p:spPr>
-                <a:xfrm rot="20839510">
-                  <a:off x="5302607" y="2144595"/>
-                  <a:ext cx="371346" cy="584775"/>
-                </a:xfrm>
-                <a:prstGeom prst="rect">
-                  <a:avLst/>
-                </a:prstGeom>
-                <a:blipFill>
-                  <a:blip r:embed="rId11"/>
-                  <a:stretch>
-                    <a:fillRect r="-25641"/>
-                  </a:stretch>
-                </a:blipFill>
-              </p:spPr>
-              <p:txBody>
-                <a:bodyPr/>
-                <a:lstStyle/>
-                <a:p>
-                  <a:r>
-                    <a:rPr lang="pt-BR">
-                      <a:noFill/>
-                    </a:rPr>
-                    <a:t> </a:t>
-                  </a:r>
-                </a:p>
-              </p:txBody>
-            </p:sp>
-          </mc:Fallback>
-        </mc:AlternateContent>
-        <mc:AlternateContent xmlns:mc="http://schemas.openxmlformats.org/markup-compatibility/2006">
-          <mc:Choice xmlns:a14="http://schemas.microsoft.com/office/drawing/2010/main" Requires="a14">
-            <p:sp>
-              <p:nvSpPr>
-                <p:cNvPr id="83" name="CaixaDeTexto 82">
-                  <a:extLst>
-                    <a:ext uri="{FF2B5EF4-FFF2-40B4-BE49-F238E27FC236}">
-                      <a16:creationId xmlns:a16="http://schemas.microsoft.com/office/drawing/2014/main" id="{49AFE49B-176B-4520-9CEA-041F7654777F}"/>
-                    </a:ext>
-                  </a:extLst>
-                </p:cNvPr>
-                <p:cNvSpPr txBox="1"/>
-                <p:nvPr/>
-              </p:nvSpPr>
-              <p:spPr>
-                <a:xfrm>
-                  <a:off x="4481217" y="1354387"/>
-                  <a:ext cx="779251" cy="584775"/>
-                </a:xfrm>
-                <a:prstGeom prst="rect">
-                  <a:avLst/>
-                </a:prstGeom>
-                <a:noFill/>
-              </p:spPr>
-              <p:txBody>
-                <a:bodyPr wrap="none" rtlCol="0">
-                  <a:spAutoFit/>
-                </a:bodyPr>
-                <a:lstStyle/>
-                <a:p>
-                  <a:pPr/>
-                  <a14:m>
-                    <m:oMathPara xmlns:m="http://schemas.openxmlformats.org/officeDocument/2006/math">
-                      <m:oMathParaPr>
-                        <m:jc m:val="centerGroup"/>
-                      </m:oMathParaPr>
-                      <m:oMath xmlns:m="http://schemas.openxmlformats.org/officeDocument/2006/math">
-                        <m:sSub>
-                          <m:sSubPr>
-                            <m:ctrlPr>
-                              <a:rPr lang="en-US" sz="3200" b="0" i="1" smtClean="0">
-                                <a:latin typeface="Cambria Math" panose="02040503050406030204" pitchFamily="18" charset="0"/>
-                              </a:rPr>
-                            </m:ctrlPr>
-                          </m:sSubPr>
-                          <m:e>
-                            <m:r>
-                              <a:rPr lang="en-US" sz="3200" b="0" i="1" smtClean="0">
-                                <a:latin typeface="Cambria Math" panose="02040503050406030204" pitchFamily="18" charset="0"/>
-                              </a:rPr>
-                              <m:t>𝑍</m:t>
-                            </m:r>
-                          </m:e>
-                          <m:sub>
-                            <m:r>
-                              <a:rPr lang="en-US" sz="3200" b="0" i="1" smtClean="0">
-                                <a:latin typeface="Cambria Math" panose="02040503050406030204" pitchFamily="18" charset="0"/>
-                              </a:rPr>
-                              <m:t>𝑤</m:t>
-                            </m:r>
-                          </m:sub>
-                        </m:sSub>
-                      </m:oMath>
-                    </m:oMathPara>
-                  </a14:m>
-                  <a:endParaRPr lang="pt-BR" dirty="0"/>
-                </a:p>
-              </p:txBody>
-            </p:sp>
-          </mc:Choice>
-          <mc:Fallback>
-            <p:sp>
-              <p:nvSpPr>
-                <p:cNvPr id="83" name="CaixaDeTexto 82">
-                  <a:extLst>
-                    <a:ext uri="{FF2B5EF4-FFF2-40B4-BE49-F238E27FC236}">
-                      <a16:creationId xmlns:a16="http://schemas.microsoft.com/office/drawing/2014/main" id="{49AFE49B-176B-4520-9CEA-041F7654777F}"/>
-                    </a:ext>
-                  </a:extLst>
-                </p:cNvPr>
-                <p:cNvSpPr txBox="1">
-                  <a:spLocks noRot="1" noChangeAspect="1" noMove="1" noResize="1" noEditPoints="1" noAdjustHandles="1" noChangeArrowheads="1" noChangeShapeType="1" noTextEdit="1"/>
-                </p:cNvSpPr>
-                <p:nvPr/>
-              </p:nvSpPr>
-              <p:spPr>
-                <a:xfrm>
-                  <a:off x="4481217" y="1354387"/>
-                  <a:ext cx="779251" cy="584775"/>
-                </a:xfrm>
-                <a:prstGeom prst="rect">
-                  <a:avLst/>
-                </a:prstGeom>
-                <a:blipFill>
-                  <a:blip r:embed="rId12"/>
-                  <a:stretch>
-                    <a:fillRect/>
-                  </a:stretch>
-                </a:blipFill>
-              </p:spPr>
-              <p:txBody>
-                <a:bodyPr/>
-                <a:lstStyle/>
-                <a:p>
-                  <a:r>
-                    <a:rPr lang="pt-BR">
-                      <a:noFill/>
-                    </a:rPr>
-                    <a:t> </a:t>
-                  </a:r>
-                </a:p>
-              </p:txBody>
-            </p:sp>
-          </mc:Fallback>
-        </mc:AlternateContent>
-        <mc:AlternateContent xmlns:mc="http://schemas.openxmlformats.org/markup-compatibility/2006">
-          <mc:Choice xmlns:a14="http://schemas.microsoft.com/office/drawing/2010/main" Requires="a14">
-            <p:sp>
-              <p:nvSpPr>
-                <p:cNvPr id="84" name="CaixaDeTexto 83">
-                  <a:extLst>
-                    <a:ext uri="{FF2B5EF4-FFF2-40B4-BE49-F238E27FC236}">
-                      <a16:creationId xmlns:a16="http://schemas.microsoft.com/office/drawing/2014/main" id="{BA611220-09CE-4CD2-8018-CF0B04F0A867}"/>
-                    </a:ext>
-                  </a:extLst>
-                </p:cNvPr>
-                <p:cNvSpPr txBox="1"/>
-                <p:nvPr/>
-              </p:nvSpPr>
-              <p:spPr>
-                <a:xfrm>
-                  <a:off x="5207805" y="827577"/>
-                  <a:ext cx="749949" cy="584775"/>
-                </a:xfrm>
-                <a:prstGeom prst="rect">
-                  <a:avLst/>
-                </a:prstGeom>
-                <a:noFill/>
-              </p:spPr>
-              <p:txBody>
-                <a:bodyPr wrap="none" rtlCol="0">
-                  <a:spAutoFit/>
-                </a:bodyPr>
-                <a:lstStyle/>
-                <a:p>
-                  <a:pPr/>
-                  <a14:m>
-                    <m:oMathPara xmlns:m="http://schemas.openxmlformats.org/officeDocument/2006/math">
-                      <m:oMathParaPr>
-                        <m:jc m:val="centerGroup"/>
-                      </m:oMathParaPr>
-                      <m:oMath xmlns:m="http://schemas.openxmlformats.org/officeDocument/2006/math">
-                        <m:sSub>
-                          <m:sSubPr>
-                            <m:ctrlPr>
-                              <a:rPr lang="en-US" sz="3200" b="0" i="1" smtClean="0">
-                                <a:latin typeface="Cambria Math" panose="02040503050406030204" pitchFamily="18" charset="0"/>
-                              </a:rPr>
-                            </m:ctrlPr>
-                          </m:sSubPr>
-                          <m:e>
-                            <m:r>
-                              <a:rPr lang="en-US" sz="3200" b="0" i="1" smtClean="0">
-                                <a:latin typeface="Cambria Math" panose="02040503050406030204" pitchFamily="18" charset="0"/>
-                              </a:rPr>
-                              <m:t>𝑌</m:t>
-                            </m:r>
-                          </m:e>
-                          <m:sub>
-                            <m:r>
-                              <a:rPr lang="en-US" sz="3200" b="0" i="1" smtClean="0">
-                                <a:latin typeface="Cambria Math" panose="02040503050406030204" pitchFamily="18" charset="0"/>
-                              </a:rPr>
-                              <m:t>𝑤</m:t>
-                            </m:r>
-                          </m:sub>
-                        </m:sSub>
-                      </m:oMath>
-                    </m:oMathPara>
-                  </a14:m>
-                  <a:endParaRPr lang="pt-BR" dirty="0"/>
-                </a:p>
-              </p:txBody>
-            </p:sp>
-          </mc:Choice>
-          <mc:Fallback>
-            <p:sp>
-              <p:nvSpPr>
-                <p:cNvPr id="84" name="CaixaDeTexto 83">
-                  <a:extLst>
-                    <a:ext uri="{FF2B5EF4-FFF2-40B4-BE49-F238E27FC236}">
-                      <a16:creationId xmlns:a16="http://schemas.microsoft.com/office/drawing/2014/main" id="{BA611220-09CE-4CD2-8018-CF0B04F0A867}"/>
-                    </a:ext>
-                  </a:extLst>
-                </p:cNvPr>
-                <p:cNvSpPr txBox="1">
-                  <a:spLocks noRot="1" noChangeAspect="1" noMove="1" noResize="1" noEditPoints="1" noAdjustHandles="1" noChangeArrowheads="1" noChangeShapeType="1" noTextEdit="1"/>
-                </p:cNvSpPr>
-                <p:nvPr/>
-              </p:nvSpPr>
-              <p:spPr>
-                <a:xfrm>
-                  <a:off x="5207805" y="827577"/>
-                  <a:ext cx="749949" cy="584775"/>
-                </a:xfrm>
-                <a:prstGeom prst="rect">
-                  <a:avLst/>
-                </a:prstGeom>
-                <a:blipFill>
-                  <a:blip r:embed="rId13"/>
-                  <a:stretch>
-                    <a:fillRect/>
-                  </a:stretch>
-                </a:blipFill>
-              </p:spPr>
-              <p:txBody>
-                <a:bodyPr/>
-                <a:lstStyle/>
-                <a:p>
-                  <a:r>
-                    <a:rPr lang="pt-BR">
-                      <a:noFill/>
-                    </a:rPr>
-                    <a:t> </a:t>
-                  </a:r>
-                </a:p>
-              </p:txBody>
-            </p:sp>
-          </mc:Fallback>
-        </mc:AlternateContent>
-        <mc:AlternateContent xmlns:mc="http://schemas.openxmlformats.org/markup-compatibility/2006">
-          <mc:Choice xmlns:a14="http://schemas.microsoft.com/office/drawing/2010/main" Requires="a14">
-            <p:sp>
-              <p:nvSpPr>
-                <p:cNvPr id="85" name="CaixaDeTexto 84">
-                  <a:extLst>
-                    <a:ext uri="{FF2B5EF4-FFF2-40B4-BE49-F238E27FC236}">
-                      <a16:creationId xmlns:a16="http://schemas.microsoft.com/office/drawing/2014/main" id="{81CFC32A-A364-45A1-926F-B3E3899F589D}"/>
-                    </a:ext>
-                  </a:extLst>
-                </p:cNvPr>
-                <p:cNvSpPr txBox="1"/>
-                <p:nvPr/>
-              </p:nvSpPr>
-              <p:spPr>
-                <a:xfrm rot="20839510">
-                  <a:off x="6117167" y="1133542"/>
-                  <a:ext cx="794064" cy="584775"/>
-                </a:xfrm>
-                <a:prstGeom prst="rect">
-                  <a:avLst/>
-                </a:prstGeom>
-                <a:noFill/>
-              </p:spPr>
-              <p:txBody>
-                <a:bodyPr wrap="none" rtlCol="0">
-                  <a:spAutoFit/>
-                </a:bodyPr>
-                <a:lstStyle/>
-                <a:p>
-                  <a:pPr/>
-                  <a14:m>
-                    <m:oMathPara xmlns:m="http://schemas.openxmlformats.org/officeDocument/2006/math">
-                      <m:oMathParaPr>
-                        <m:jc m:val="centerGroup"/>
-                      </m:oMathParaPr>
-                      <m:oMath xmlns:m="http://schemas.openxmlformats.org/officeDocument/2006/math">
-                        <m:sSub>
-                          <m:sSubPr>
-                            <m:ctrlPr>
-                              <a:rPr lang="en-US" sz="3200" b="0" i="1" smtClean="0">
-                                <a:latin typeface="Cambria Math" panose="02040503050406030204" pitchFamily="18" charset="0"/>
-                              </a:rPr>
-                            </m:ctrlPr>
-                          </m:sSubPr>
-                          <m:e>
-                            <m:r>
-                              <a:rPr lang="en-US" sz="3200" b="0" i="1" smtClean="0">
-                                <a:latin typeface="Cambria Math" panose="02040503050406030204" pitchFamily="18" charset="0"/>
-                              </a:rPr>
-                              <m:t>𝑋</m:t>
-                            </m:r>
-                          </m:e>
-                          <m:sub>
-                            <m:r>
-                              <a:rPr lang="en-US" sz="3200" b="0" i="1" smtClean="0">
-                                <a:latin typeface="Cambria Math" panose="02040503050406030204" pitchFamily="18" charset="0"/>
-                              </a:rPr>
-                              <m:t>𝑤</m:t>
-                            </m:r>
-                          </m:sub>
-                        </m:sSub>
-                      </m:oMath>
-                    </m:oMathPara>
-                  </a14:m>
-                  <a:endParaRPr lang="pt-BR" dirty="0"/>
-                </a:p>
-              </p:txBody>
-            </p:sp>
-          </mc:Choice>
-          <mc:Fallback>
-            <p:sp>
-              <p:nvSpPr>
-                <p:cNvPr id="85" name="CaixaDeTexto 84">
-                  <a:extLst>
-                    <a:ext uri="{FF2B5EF4-FFF2-40B4-BE49-F238E27FC236}">
-                      <a16:creationId xmlns:a16="http://schemas.microsoft.com/office/drawing/2014/main" id="{81CFC32A-A364-45A1-926F-B3E3899F589D}"/>
-                    </a:ext>
-                  </a:extLst>
-                </p:cNvPr>
-                <p:cNvSpPr txBox="1">
-                  <a:spLocks noRot="1" noChangeAspect="1" noMove="1" noResize="1" noEditPoints="1" noAdjustHandles="1" noChangeArrowheads="1" noChangeShapeType="1" noTextEdit="1"/>
-                </p:cNvSpPr>
-                <p:nvPr/>
-              </p:nvSpPr>
-              <p:spPr>
-                <a:xfrm rot="20839510">
-                  <a:off x="6117167" y="1133542"/>
-                  <a:ext cx="794064" cy="584775"/>
-                </a:xfrm>
-                <a:prstGeom prst="rect">
-                  <a:avLst/>
-                </a:prstGeom>
-                <a:blipFill>
-                  <a:blip r:embed="rId14"/>
-                  <a:stretch>
-                    <a:fillRect/>
-                  </a:stretch>
-                </a:blipFill>
-              </p:spPr>
-              <p:txBody>
-                <a:bodyPr/>
-                <a:lstStyle/>
-                <a:p>
-                  <a:r>
-                    <a:rPr lang="pt-BR">
-                      <a:noFill/>
-                    </a:rPr>
-                    <a:t> </a:t>
-                  </a:r>
-                </a:p>
-              </p:txBody>
-            </p:sp>
-          </mc:Fallback>
-        </mc:AlternateContent>
-      </p:grpSp>
+      <mc:AlternateContent xmlns:mc="http://schemas.openxmlformats.org/markup-compatibility/2006">
+        <mc:Choice xmlns:a14="http://schemas.microsoft.com/office/drawing/2010/main" Requires="a14">
+          <p:sp>
+            <p:nvSpPr>
+              <p:cNvPr id="92" name="CaixaDeTexto 91">
+                <a:extLst>
+                  <a:ext uri="{FF2B5EF4-FFF2-40B4-BE49-F238E27FC236}">
+                    <a16:creationId xmlns:a16="http://schemas.microsoft.com/office/drawing/2014/main" xmlns="" id="{FD2CB419-DBB0-472A-AA41-50D90C5B6BC8}"/>
+                  </a:ext>
+                </a:extLst>
+              </p:cNvPr>
+              <p:cNvSpPr txBox="1"/>
+              <p:nvPr/>
+            </p:nvSpPr>
+            <p:spPr>
+              <a:xfrm>
+                <a:off x="3732186" y="2152491"/>
+                <a:ext cx="773417" cy="584775"/>
+              </a:xfrm>
+              <a:prstGeom prst="rect">
+                <a:avLst/>
+              </a:prstGeom>
+              <a:noFill/>
+            </p:spPr>
+            <p:txBody>
+              <a:bodyPr wrap="none" rtlCol="0">
+                <a:spAutoFit/>
+              </a:bodyPr>
+              <a:lstStyle/>
+              <a:p>
+                <a:pPr/>
+                <a14:m>
+                  <m:oMathPara xmlns:m="http://schemas.openxmlformats.org/officeDocument/2006/math">
+                    <m:oMathParaPr>
+                      <m:jc m:val="centerGroup"/>
+                    </m:oMathParaPr>
+                    <m:oMath xmlns:m="http://schemas.openxmlformats.org/officeDocument/2006/math">
+                      <m:sSub>
+                        <m:sSubPr>
+                          <m:ctrlPr>
+                            <a:rPr lang="en-US" sz="3200" b="0" i="1" smtClean="0">
+                              <a:solidFill>
+                                <a:srgbClr val="FF0000"/>
+                              </a:solidFill>
+                              <a:latin typeface="Cambria Math" panose="02040503050406030204" pitchFamily="18" charset="0"/>
+                            </a:rPr>
+                          </m:ctrlPr>
+                        </m:sSubPr>
+                        <m:e>
+                          <m:r>
+                            <a:rPr lang="pt-BR" sz="3200" b="0" i="1" smtClean="0">
+                              <a:solidFill>
+                                <a:srgbClr val="FF0000"/>
+                              </a:solidFill>
+                              <a:latin typeface="Cambria Math" panose="02040503050406030204" pitchFamily="18" charset="0"/>
+                            </a:rPr>
+                            <m:t>𝑌</m:t>
+                          </m:r>
+                        </m:e>
+                        <m:sub>
+                          <m:r>
+                            <a:rPr lang="pt-BR" sz="3200" b="0" i="1" smtClean="0">
+                              <a:solidFill>
+                                <a:srgbClr val="FF0000"/>
+                              </a:solidFill>
+                              <a:latin typeface="Cambria Math" panose="02040503050406030204" pitchFamily="18" charset="0"/>
+                            </a:rPr>
+                            <m:t>𝑊</m:t>
+                          </m:r>
+                        </m:sub>
+                      </m:sSub>
+                    </m:oMath>
+                  </m:oMathPara>
+                </a14:m>
+                <a:endParaRPr lang="pt-BR" dirty="0"/>
+              </a:p>
+            </p:txBody>
+          </p:sp>
+        </mc:Choice>
+        <mc:Fallback>
+          <p:sp>
+            <p:nvSpPr>
+              <p:cNvPr id="92" name="CaixaDeTexto 91">
+                <a:extLst>
+                  <a:ext uri="{FF2B5EF4-FFF2-40B4-BE49-F238E27FC236}">
+                    <a16:creationId xmlns:a16="http://schemas.microsoft.com/office/drawing/2014/main" xmlns:a14="http://schemas.microsoft.com/office/drawing/2010/main" xmlns="" id="{FD2CB419-DBB0-472A-AA41-50D90C5B6BC8}"/>
+                  </a:ext>
+                </a:extLst>
+              </p:cNvPr>
+              <p:cNvSpPr txBox="1">
+                <a:spLocks noRot="1" noChangeAspect="1" noMove="1" noResize="1" noEditPoints="1" noAdjustHandles="1" noChangeArrowheads="1" noChangeShapeType="1" noTextEdit="1"/>
+              </p:cNvSpPr>
+              <p:nvPr/>
+            </p:nvSpPr>
+            <p:spPr>
+              <a:xfrm>
+                <a:off x="3732186" y="2152491"/>
+                <a:ext cx="773417" cy="584775"/>
+              </a:xfrm>
+              <a:prstGeom prst="rect">
+                <a:avLst/>
+              </a:prstGeom>
+              <a:blipFill rotWithShape="0">
+                <a:blip r:embed="rId11"/>
+                <a:stretch>
+                  <a:fillRect/>
+                </a:stretch>
+              </a:blipFill>
+            </p:spPr>
+            <p:txBody>
+              <a:bodyPr/>
+              <a:lstStyle/>
+              <a:p>
+                <a:r>
+                  <a:rPr lang="pt-BR">
+                    <a:noFill/>
+                  </a:rPr>
+                  <a:t> </a:t>
+                </a:r>
+              </a:p>
+            </p:txBody>
+          </p:sp>
+        </mc:Fallback>
+      </mc:AlternateContent>
     </p:spTree>
     <p:extLst>
       <p:ext uri="{BB962C8B-B14F-4D97-AF65-F5344CB8AC3E}">
